--- a/FW/Tuan/Week 4/Powerpoint tuần 4/ModBus.pptx
+++ b/FW/Tuan/Week 4/Powerpoint tuần 4/ModBus.pptx
@@ -219,7 +219,7 @@
           <a:p>
             <a:fld id="{BE921E71-55FB-4F70-BA64-7E87629B9540}" type="datetimeFigureOut">
               <a:rPr lang="en-US" smtClean="0"/>
-              <a:t>8/7/2020</a:t>
+              <a:t>8/23/2020</a:t>
             </a:fld>
             <a:endParaRPr lang="en-US"/>
           </a:p>
@@ -283,38 +283,37 @@
           <a:p>
             <a:pPr lvl="0"/>
             <a:r>
-              <a:rPr lang="en-US" smtClean="0"/>
+              <a:rPr lang="en-US"/>
               <a:t>Edit Master text styles</a:t>
             </a:r>
           </a:p>
           <a:p>
             <a:pPr lvl="1"/>
             <a:r>
-              <a:rPr lang="en-US" smtClean="0"/>
+              <a:rPr lang="en-US"/>
               <a:t>Second level</a:t>
             </a:r>
           </a:p>
           <a:p>
             <a:pPr lvl="2"/>
             <a:r>
-              <a:rPr lang="en-US" smtClean="0"/>
+              <a:rPr lang="en-US"/>
               <a:t>Third level</a:t>
             </a:r>
           </a:p>
           <a:p>
             <a:pPr lvl="3"/>
             <a:r>
-              <a:rPr lang="en-US" smtClean="0"/>
+              <a:rPr lang="en-US"/>
               <a:t>Fourth level</a:t>
             </a:r>
           </a:p>
           <a:p>
             <a:pPr lvl="4"/>
             <a:r>
-              <a:rPr lang="en-US" smtClean="0"/>
+              <a:rPr lang="en-US"/>
               <a:t>Fifth level</a:t>
             </a:r>
-            <a:endParaRPr lang="en-US"/>
           </a:p>
         </p:txBody>
       </p:sp>
@@ -558,13 +557,6 @@
   <p:clrMapOvr>
     <a:masterClrMapping/>
   </p:clrMapOvr>
-  <p:timing>
-    <p:tnLst>
-      <p:par>
-        <p:cTn id="1" dur="indefinite" restart="never" nodeType="tmRoot"/>
-      </p:par>
-    </p:tnLst>
-  </p:timing>
 </p:sldLayout>
 </file>
 
@@ -673,17 +665,16 @@
           </a:lstStyle>
           <a:p>
             <a:r>
-              <a:rPr lang="en-US" dirty="0" smtClean="0"/>
+              <a:rPr lang="en-US" dirty="0"/>
               <a:t>Headline here</a:t>
             </a:r>
             <a:br>
-              <a:rPr lang="en-US" dirty="0" smtClean="0"/>
+              <a:rPr lang="en-US" dirty="0"/>
             </a:br>
             <a:r>
-              <a:rPr lang="en-US" dirty="0" smtClean="0"/>
+              <a:rPr lang="en-US" dirty="0"/>
               <a:t>Content</a:t>
             </a:r>
-            <a:endParaRPr lang="en-US" dirty="0"/>
           </a:p>
         </p:txBody>
       </p:sp>
@@ -716,10 +707,9 @@
           </a:lstStyle>
           <a:p>
             <a:r>
-              <a:rPr lang="en-US" smtClean="0"/>
+              <a:rPr lang="en-US"/>
               <a:t>www.indruino.com</a:t>
             </a:r>
-            <a:endParaRPr lang="en-US"/>
           </a:p>
         </p:txBody>
       </p:sp>
@@ -787,16 +777,15 @@
           </a:lstStyle>
           <a:p>
             <a:r>
-              <a:rPr lang="en-US" dirty="0" smtClean="0"/>
+              <a:rPr lang="en-US" dirty="0"/>
               <a:t>Subhead here</a:t>
             </a:r>
           </a:p>
           <a:p>
             <a:r>
-              <a:rPr lang="en-US" dirty="0" smtClean="0"/>
+              <a:rPr lang="en-US" dirty="0"/>
               <a:t>Content</a:t>
             </a:r>
-            <a:endParaRPr lang="en-US" dirty="0"/>
           </a:p>
         </p:txBody>
       </p:sp>
@@ -1017,7 +1006,7 @@
           </a:lstStyle>
           <a:p>
             <a:r>
-              <a:rPr lang="en-US" err="1" smtClean="0">
+              <a:rPr lang="en-US" err="1">
                 <a:solidFill>
                   <a:schemeClr val="bg1"/>
                 </a:solidFill>
@@ -1025,7 +1014,7 @@
               <a:t>Diễn</a:t>
             </a:r>
             <a:r>
-              <a:rPr lang="en-US" smtClean="0">
+              <a:rPr lang="en-US">
                 <a:solidFill>
                   <a:schemeClr val="bg1"/>
                 </a:solidFill>
@@ -1033,7 +1022,7 @@
               <a:t> </a:t>
             </a:r>
             <a:r>
-              <a:rPr lang="en-US" err="1" smtClean="0">
+              <a:rPr lang="en-US" err="1">
                 <a:solidFill>
                   <a:schemeClr val="bg1"/>
                 </a:solidFill>
@@ -1041,7 +1030,7 @@
               <a:t>giả</a:t>
             </a:r>
             <a:r>
-              <a:rPr lang="en-US" smtClean="0">
+              <a:rPr lang="en-US">
                 <a:solidFill>
                   <a:schemeClr val="bg1"/>
                 </a:solidFill>
@@ -1049,14 +1038,14 @@
               <a:t>: </a:t>
             </a:r>
             <a:r>
-              <a:rPr lang="en-US" err="1" smtClean="0">
+              <a:rPr lang="en-US" err="1">
                 <a:solidFill>
                   <a:schemeClr val="bg1"/>
                 </a:solidFill>
               </a:rPr>
               <a:t>Indruino</a:t>
             </a:r>
-            <a:endParaRPr lang="en-US" smtClean="0">
+            <a:endParaRPr lang="en-US">
               <a:solidFill>
                 <a:schemeClr val="bg1"/>
               </a:solidFill>
@@ -1064,7 +1053,7 @@
           </a:p>
           <a:p>
             <a:r>
-              <a:rPr lang="en-US" err="1" smtClean="0">
+              <a:rPr lang="en-US" err="1">
                 <a:solidFill>
                   <a:schemeClr val="bg1"/>
                 </a:solidFill>
@@ -1072,7 +1061,7 @@
               <a:t>Bộ</a:t>
             </a:r>
             <a:r>
-              <a:rPr lang="en-US" smtClean="0">
+              <a:rPr lang="en-US">
                 <a:solidFill>
                   <a:schemeClr val="bg1"/>
                 </a:solidFill>
@@ -1080,7 +1069,7 @@
               <a:t> </a:t>
             </a:r>
             <a:r>
-              <a:rPr lang="en-US" err="1" smtClean="0">
+              <a:rPr lang="en-US" err="1">
                 <a:solidFill>
                   <a:schemeClr val="bg1"/>
                 </a:solidFill>
@@ -1088,7 +1077,7 @@
               <a:t>phận</a:t>
             </a:r>
             <a:r>
-              <a:rPr lang="en-US" smtClean="0">
+              <a:rPr lang="en-US">
                 <a:solidFill>
                   <a:schemeClr val="bg1"/>
                 </a:solidFill>
@@ -1096,7 +1085,7 @@
               <a:t>: </a:t>
             </a:r>
             <a:r>
-              <a:rPr lang="en-US" err="1" smtClean="0">
+              <a:rPr lang="en-US" err="1">
                 <a:solidFill>
                   <a:schemeClr val="bg1"/>
                 </a:solidFill>
@@ -1164,13 +1153,6 @@
   <p:clrMapOvr>
     <a:masterClrMapping/>
   </p:clrMapOvr>
-  <p:timing>
-    <p:tnLst>
-      <p:par>
-        <p:cTn id="1" dur="indefinite" restart="never" nodeType="tmRoot"/>
-      </p:par>
-    </p:tnLst>
-  </p:timing>
 </p:sldLayout>
 </file>
 
@@ -1218,10 +1200,9 @@
           </a:lstStyle>
           <a:p>
             <a:r>
-              <a:rPr lang="en-US" dirty="0" smtClean="0"/>
+              <a:rPr lang="en-US" dirty="0"/>
               <a:t>Title here</a:t>
             </a:r>
-            <a:endParaRPr lang="en-US" dirty="0"/>
           </a:p>
         </p:txBody>
       </p:sp>
@@ -1285,7 +1266,7 @@
           </a:lstStyle>
           <a:p>
             <a:r>
-              <a:rPr lang="en-US" dirty="0" smtClean="0"/>
+              <a:rPr lang="en-US" dirty="0"/>
               <a:t>Subtitle here</a:t>
             </a:r>
           </a:p>
@@ -1578,7 +1559,7 @@
           <a:p>
             <a:pPr lvl="0"/>
             <a:r>
-              <a:rPr lang="en-US" dirty="0" smtClean="0"/>
+              <a:rPr lang="en-US" dirty="0"/>
               <a:t>Content Here</a:t>
             </a:r>
           </a:p>
@@ -1594,13 +1575,6 @@
   <p:clrMapOvr>
     <a:masterClrMapping/>
   </p:clrMapOvr>
-  <p:timing>
-    <p:tnLst>
-      <p:par>
-        <p:cTn id="1" dur="indefinite" restart="never" nodeType="tmRoot"/>
-      </p:par>
-    </p:tnLst>
-  </p:timing>
 </p:sldLayout>
 </file>
 
@@ -1648,10 +1622,9 @@
           </a:lstStyle>
           <a:p>
             <a:r>
-              <a:rPr lang="en-US" dirty="0" smtClean="0"/>
+              <a:rPr lang="en-US" dirty="0"/>
               <a:t>Title here</a:t>
             </a:r>
-            <a:endParaRPr lang="en-US" dirty="0"/>
           </a:p>
         </p:txBody>
       </p:sp>
@@ -1715,7 +1688,7 @@
           </a:lstStyle>
           <a:p>
             <a:r>
-              <a:rPr lang="en-US" dirty="0" smtClean="0"/>
+              <a:rPr lang="en-US" dirty="0"/>
               <a:t>Subtitle here</a:t>
             </a:r>
           </a:p>
@@ -1947,7 +1920,7 @@
           <a:p>
             <a:pPr lvl="0"/>
             <a:r>
-              <a:rPr lang="en-US" dirty="0" smtClean="0"/>
+              <a:rPr lang="en-US" dirty="0"/>
               <a:t>Content Here</a:t>
             </a:r>
           </a:p>
@@ -2012,7 +1985,7 @@
           <a:p>
             <a:pPr lvl="0"/>
             <a:r>
-              <a:rPr lang="en-US" dirty="0" smtClean="0"/>
+              <a:rPr lang="en-US" dirty="0"/>
               <a:t>Content Here</a:t>
             </a:r>
           </a:p>
@@ -2077,7 +2050,7 @@
           <a:p>
             <a:pPr lvl="0"/>
             <a:r>
-              <a:rPr lang="en-US" dirty="0" smtClean="0"/>
+              <a:rPr lang="en-US" dirty="0"/>
               <a:t>Content Here</a:t>
             </a:r>
           </a:p>
@@ -2093,13 +2066,6 @@
   <p:clrMapOvr>
     <a:masterClrMapping/>
   </p:clrMapOvr>
-  <p:timing>
-    <p:tnLst>
-      <p:par>
-        <p:cTn id="1" dur="indefinite" restart="never" nodeType="tmRoot"/>
-      </p:par>
-    </p:tnLst>
-  </p:timing>
 </p:sldLayout>
 </file>
 
@@ -2269,10 +2235,9 @@
           </a:lstStyle>
           <a:p>
             <a:r>
-              <a:rPr lang="en-US" dirty="0" smtClean="0"/>
+              <a:rPr lang="en-US" dirty="0"/>
               <a:t>Title here</a:t>
             </a:r>
-            <a:endParaRPr lang="en-US" dirty="0"/>
           </a:p>
         </p:txBody>
       </p:sp>
@@ -2336,7 +2301,7 @@
           </a:lstStyle>
           <a:p>
             <a:r>
-              <a:rPr lang="en-US" dirty="0" smtClean="0"/>
+              <a:rPr lang="en-US" dirty="0"/>
               <a:t>Subtitle here</a:t>
             </a:r>
           </a:p>
@@ -2568,7 +2533,7 @@
           <a:p>
             <a:pPr lvl="0"/>
             <a:r>
-              <a:rPr lang="en-US" dirty="0" smtClean="0"/>
+              <a:rPr lang="en-US" dirty="0"/>
               <a:t>Content Here</a:t>
             </a:r>
           </a:p>
@@ -2584,13 +2549,6 @@
   <p:clrMapOvr>
     <a:masterClrMapping/>
   </p:clrMapOvr>
-  <p:timing>
-    <p:tnLst>
-      <p:par>
-        <p:cTn id="1" dur="indefinite" restart="never" nodeType="tmRoot"/>
-      </p:par>
-    </p:tnLst>
-  </p:timing>
 </p:sldLayout>
 </file>
 
@@ -2702,10 +2660,9 @@
           </a:lstStyle>
           <a:p>
             <a:r>
-              <a:rPr lang="en-US" dirty="0" smtClean="0"/>
+              <a:rPr lang="en-US" dirty="0"/>
               <a:t>Thanks you !</a:t>
             </a:r>
-            <a:endParaRPr lang="en-US" dirty="0"/>
           </a:p>
         </p:txBody>
       </p:sp>
@@ -2738,10 +2695,9 @@
           </a:lstStyle>
           <a:p>
             <a:r>
-              <a:rPr lang="en-US" smtClean="0"/>
+              <a:rPr lang="en-US"/>
               <a:t>www.indruino.com</a:t>
             </a:r>
-            <a:endParaRPr lang="en-US"/>
           </a:p>
         </p:txBody>
       </p:sp>
@@ -2962,7 +2918,7 @@
           </a:lstStyle>
           <a:p>
             <a:r>
-              <a:rPr lang="en-US" err="1" smtClean="0">
+              <a:rPr lang="en-US" err="1">
                 <a:solidFill>
                   <a:schemeClr val="bg1"/>
                 </a:solidFill>
@@ -2970,7 +2926,7 @@
               <a:t>Diễn</a:t>
             </a:r>
             <a:r>
-              <a:rPr lang="en-US" smtClean="0">
+              <a:rPr lang="en-US">
                 <a:solidFill>
                   <a:schemeClr val="bg1"/>
                 </a:solidFill>
@@ -2978,7 +2934,7 @@
               <a:t> </a:t>
             </a:r>
             <a:r>
-              <a:rPr lang="en-US" err="1" smtClean="0">
+              <a:rPr lang="en-US" err="1">
                 <a:solidFill>
                   <a:schemeClr val="bg1"/>
                 </a:solidFill>
@@ -2986,7 +2942,7 @@
               <a:t>giả</a:t>
             </a:r>
             <a:r>
-              <a:rPr lang="en-US" smtClean="0">
+              <a:rPr lang="en-US">
                 <a:solidFill>
                   <a:schemeClr val="bg1"/>
                 </a:solidFill>
@@ -2994,14 +2950,14 @@
               <a:t>: </a:t>
             </a:r>
             <a:r>
-              <a:rPr lang="en-US" err="1" smtClean="0">
+              <a:rPr lang="en-US" err="1">
                 <a:solidFill>
                   <a:schemeClr val="bg1"/>
                 </a:solidFill>
               </a:rPr>
               <a:t>Indruino</a:t>
             </a:r>
-            <a:endParaRPr lang="en-US" smtClean="0">
+            <a:endParaRPr lang="en-US">
               <a:solidFill>
                 <a:schemeClr val="bg1"/>
               </a:solidFill>
@@ -3009,7 +2965,7 @@
           </a:p>
           <a:p>
             <a:r>
-              <a:rPr lang="en-US" err="1" smtClean="0">
+              <a:rPr lang="en-US" err="1">
                 <a:solidFill>
                   <a:schemeClr val="bg1"/>
                 </a:solidFill>
@@ -3017,7 +2973,7 @@
               <a:t>Bộ</a:t>
             </a:r>
             <a:r>
-              <a:rPr lang="en-US" smtClean="0">
+              <a:rPr lang="en-US">
                 <a:solidFill>
                   <a:schemeClr val="bg1"/>
                 </a:solidFill>
@@ -3025,7 +2981,7 @@
               <a:t> </a:t>
             </a:r>
             <a:r>
-              <a:rPr lang="en-US" err="1" smtClean="0">
+              <a:rPr lang="en-US" err="1">
                 <a:solidFill>
                   <a:schemeClr val="bg1"/>
                 </a:solidFill>
@@ -3033,7 +2989,7 @@
               <a:t>phận</a:t>
             </a:r>
             <a:r>
-              <a:rPr lang="en-US" smtClean="0">
+              <a:rPr lang="en-US">
                 <a:solidFill>
                   <a:schemeClr val="bg1"/>
                 </a:solidFill>
@@ -3041,7 +2997,7 @@
               <a:t>: </a:t>
             </a:r>
             <a:r>
-              <a:rPr lang="en-US" err="1" smtClean="0">
+              <a:rPr lang="en-US" err="1">
                 <a:solidFill>
                   <a:schemeClr val="bg1"/>
                 </a:solidFill>
@@ -3109,13 +3065,6 @@
   <p:clrMapOvr>
     <a:masterClrMapping/>
   </p:clrMapOvr>
-  <p:timing>
-    <p:tnLst>
-      <p:par>
-        <p:cTn id="1" dur="indefinite" restart="never" nodeType="tmRoot"/>
-      </p:par>
-    </p:tnLst>
-  </p:timing>
 </p:sldLayout>
 </file>
 
@@ -3170,10 +3119,9 @@
           <a:lstStyle/>
           <a:p>
             <a:r>
-              <a:rPr lang="en-US" smtClean="0"/>
+              <a:rPr lang="en-US"/>
               <a:t>Click to edit Master title style</a:t>
             </a:r>
-            <a:endParaRPr lang="en-US"/>
           </a:p>
         </p:txBody>
       </p:sp>
@@ -3204,38 +3152,37 @@
           <a:p>
             <a:pPr lvl="0"/>
             <a:r>
-              <a:rPr lang="en-US" smtClean="0"/>
+              <a:rPr lang="en-US"/>
               <a:t>Edit Master text styles</a:t>
             </a:r>
           </a:p>
           <a:p>
             <a:pPr lvl="1"/>
             <a:r>
-              <a:rPr lang="en-US" smtClean="0"/>
+              <a:rPr lang="en-US"/>
               <a:t>Second level</a:t>
             </a:r>
           </a:p>
           <a:p>
             <a:pPr lvl="2"/>
             <a:r>
-              <a:rPr lang="en-US" smtClean="0"/>
+              <a:rPr lang="en-US"/>
               <a:t>Third level</a:t>
             </a:r>
           </a:p>
           <a:p>
             <a:pPr lvl="3"/>
             <a:r>
-              <a:rPr lang="en-US" smtClean="0"/>
+              <a:rPr lang="en-US"/>
               <a:t>Fourth level</a:t>
             </a:r>
           </a:p>
           <a:p>
             <a:pPr lvl="4"/>
             <a:r>
-              <a:rPr lang="en-US" smtClean="0"/>
+              <a:rPr lang="en-US"/>
               <a:t>Fifth level</a:t>
             </a:r>
-            <a:endParaRPr lang="en-US"/>
           </a:p>
         </p:txBody>
       </p:sp>
@@ -3277,7 +3224,7 @@
           <a:p>
             <a:fld id="{6D9FEF56-C5D4-4D87-B961-211842A8ECEA}" type="datetime1">
               <a:rPr lang="en-US" smtClean="0"/>
-              <a:t>8/7/2020</a:t>
+              <a:t>8/23/2020</a:t>
             </a:fld>
             <a:endParaRPr lang="en-US"/>
           </a:p>
@@ -3320,10 +3267,9 @@
           </a:lstStyle>
           <a:p>
             <a:r>
-              <a:rPr lang="en-US" smtClean="0"/>
+              <a:rPr lang="en-US"/>
               <a:t>www.indruino.com</a:t>
             </a:r>
-            <a:endParaRPr lang="en-US"/>
           </a:p>
         </p:txBody>
       </p:sp>
@@ -3388,13 +3334,6 @@
     <p:sldLayoutId id="2147483680" r:id="rId5"/>
     <p:sldLayoutId id="2147483663" r:id="rId6"/>
   </p:sldLayoutIdLst>
-  <p:timing>
-    <p:tnLst>
-      <p:par>
-        <p:cTn id="1" dur="indefinite" restart="never" nodeType="tmRoot"/>
-      </p:par>
-    </p:tnLst>
-  </p:timing>
   <p:hf sldNum="0" hdr="0" dt="0"/>
   <p:txStyles>
     <p:titleStyle>
@@ -3706,13 +3645,6 @@
   <p:clrMapOvr>
     <a:masterClrMapping/>
   </p:clrMapOvr>
-  <p:timing>
-    <p:tnLst>
-      <p:par>
-        <p:cTn id="1" dur="indefinite" restart="never" nodeType="tmRoot"/>
-      </p:par>
-    </p:tnLst>
-  </p:timing>
 </p:sld>
 </file>
 
@@ -3741,8 +3673,8 @@
         </p:nvSpPr>
         <p:spPr>
           <a:xfrm>
-            <a:off x="2769477" y="777765"/>
-            <a:ext cx="8261130" cy="861774"/>
+            <a:off x="1881353" y="777765"/>
+            <a:ext cx="9149254" cy="553998"/>
           </a:xfrm>
           <a:prstGeom prst="rect">
             <a:avLst/>
@@ -3756,42 +3688,15 @@
           <a:lstStyle/>
           <a:p>
             <a:r>
-              <a:rPr lang="en-US" sz="5000" b="1" smtClean="0">
+              <a:rPr lang="en-US" sz="3000" b="1" dirty="0">
                 <a:solidFill>
                   <a:srgbClr val="FF0000"/>
                 </a:solidFill>
-                <a:latin typeface="Times New Roman" panose="02020603050405020304" pitchFamily="18" charset="0"/>
-                <a:cs typeface="Times New Roman" panose="02020603050405020304" pitchFamily="18" charset="0"/>
-              </a:rPr>
-              <a:t>Analog </a:t>
-            </a:r>
-            <a:r>
-              <a:rPr lang="en-US" sz="5000" b="1">
-                <a:solidFill>
-                  <a:srgbClr val="FF0000"/>
-                </a:solidFill>
-                <a:latin typeface="Times New Roman" panose="02020603050405020304" pitchFamily="18" charset="0"/>
-                <a:cs typeface="Times New Roman" panose="02020603050405020304" pitchFamily="18" charset="0"/>
-              </a:rPr>
-              <a:t>to </a:t>
-            </a:r>
-            <a:r>
-              <a:rPr lang="en-US" sz="5000" b="1" smtClean="0">
-                <a:solidFill>
-                  <a:srgbClr val="FF0000"/>
-                </a:solidFill>
-                <a:latin typeface="Times New Roman" panose="02020603050405020304" pitchFamily="18" charset="0"/>
-                <a:cs typeface="Times New Roman" panose="02020603050405020304" pitchFamily="18" charset="0"/>
-              </a:rPr>
-              <a:t>Modbus Converter</a:t>
-            </a:r>
-            <a:endParaRPr lang="en-US" sz="5000" b="1">
-              <a:solidFill>
-                <a:srgbClr val="FF0000"/>
-              </a:solidFill>
-              <a:latin typeface="Times New Roman" panose="02020603050405020304" pitchFamily="18" charset="0"/>
-              <a:cs typeface="Times New Roman" panose="02020603050405020304" pitchFamily="18" charset="0"/>
-            </a:endParaRPr>
+                <a:latin typeface="Segoe UI Black" panose="020B0A02040204020203" pitchFamily="34" charset="0"/>
+                <a:cs typeface="Times New Roman" panose="02020603050405020304" pitchFamily="18" charset="0"/>
+              </a:rPr>
+              <a:t>Analog to Modbus Converter</a:t>
+            </a:r>
           </a:p>
         </p:txBody>
       </p:sp>
@@ -3804,7 +3709,7 @@
         <p:spPr>
           <a:xfrm>
             <a:off x="1881353" y="4679334"/>
-            <a:ext cx="10037378" cy="1421992"/>
+            <a:ext cx="10037378" cy="1883657"/>
           </a:xfrm>
           <a:prstGeom prst="rect">
             <a:avLst/>
@@ -3825,22 +3730,22 @@
               </a:lnSpc>
             </a:pPr>
             <a:r>
-              <a:rPr lang="vi-VN" sz="2000">
-                <a:latin typeface="Times New Roman" panose="02020603050405020304" pitchFamily="18" charset="0"/>
+              <a:rPr lang="vi-VN" sz="2000" dirty="0">
+                <a:latin typeface="Segoe UI Black" panose="020B0A02040204020203" pitchFamily="34" charset="0"/>
                 <a:cs typeface="Times New Roman" panose="02020603050405020304" pitchFamily="18" charset="0"/>
               </a:rPr>
               <a:t>Như hình trên, chúng ta có thể thấy chỉ với một thiết bị chuyển đổi nhưng đồng thời có thể đọc được đến 8 ngõ vào 4-20mA/0-10V. Và chuyển chúng về tín hiệu </a:t>
             </a:r>
             <a:r>
-              <a:rPr lang="vi-VN" sz="2000" b="1">
-                <a:latin typeface="Times New Roman" panose="02020603050405020304" pitchFamily="18" charset="0"/>
+              <a:rPr lang="vi-VN" sz="2000" b="1" dirty="0">
+                <a:latin typeface="Segoe UI Black" panose="020B0A02040204020203" pitchFamily="34" charset="0"/>
                 <a:cs typeface="Times New Roman" panose="02020603050405020304" pitchFamily="18" charset="0"/>
               </a:rPr>
               <a:t>modbus RTU</a:t>
             </a:r>
             <a:r>
-              <a:rPr lang="vi-VN" sz="2000">
-                <a:latin typeface="Times New Roman" panose="02020603050405020304" pitchFamily="18" charset="0"/>
+              <a:rPr lang="vi-VN" sz="2000" dirty="0">
+                <a:latin typeface="Segoe UI Black" panose="020B0A02040204020203" pitchFamily="34" charset="0"/>
                 <a:cs typeface="Times New Roman" panose="02020603050405020304" pitchFamily="18" charset="0"/>
               </a:rPr>
               <a:t> đưa về PLC điều khiển. Đây có thể được xem là một giải pháp tiết kiệm chi phí và đem lại hiệu quả rất cao.</a:t>
@@ -3882,13 +3787,6 @@
   <p:clrMapOvr>
     <a:masterClrMapping/>
   </p:clrMapOvr>
-  <p:timing>
-    <p:tnLst>
-      <p:par>
-        <p:cTn id="1" dur="indefinite" restart="never" nodeType="tmRoot"/>
-      </p:par>
-    </p:tnLst>
-  </p:timing>
 </p:sld>
 </file>
 
@@ -3918,7 +3816,7 @@
         <p:spPr>
           <a:xfrm>
             <a:off x="2769477" y="777765"/>
-            <a:ext cx="8261130" cy="861774"/>
+            <a:ext cx="8261130" cy="553998"/>
           </a:xfrm>
           <a:prstGeom prst="rect">
             <a:avLst/>
@@ -3932,42 +3830,15 @@
           <a:lstStyle/>
           <a:p>
             <a:r>
-              <a:rPr lang="en-US" sz="5000" b="1" smtClean="0">
+              <a:rPr lang="en-US" sz="3000" b="1" dirty="0">
                 <a:solidFill>
                   <a:srgbClr val="FF0000"/>
                 </a:solidFill>
-                <a:latin typeface="Times New Roman" panose="02020603050405020304" pitchFamily="18" charset="0"/>
-                <a:cs typeface="Times New Roman" panose="02020603050405020304" pitchFamily="18" charset="0"/>
-              </a:rPr>
-              <a:t>Analog </a:t>
-            </a:r>
-            <a:r>
-              <a:rPr lang="en-US" sz="5000" b="1">
-                <a:solidFill>
-                  <a:srgbClr val="FF0000"/>
-                </a:solidFill>
-                <a:latin typeface="Times New Roman" panose="02020603050405020304" pitchFamily="18" charset="0"/>
-                <a:cs typeface="Times New Roman" panose="02020603050405020304" pitchFamily="18" charset="0"/>
-              </a:rPr>
-              <a:t>to </a:t>
-            </a:r>
-            <a:r>
-              <a:rPr lang="en-US" sz="5000" b="1" smtClean="0">
-                <a:solidFill>
-                  <a:srgbClr val="FF0000"/>
-                </a:solidFill>
-                <a:latin typeface="Times New Roman" panose="02020603050405020304" pitchFamily="18" charset="0"/>
-                <a:cs typeface="Times New Roman" panose="02020603050405020304" pitchFamily="18" charset="0"/>
-              </a:rPr>
-              <a:t>Modbus Converter</a:t>
-            </a:r>
-            <a:endParaRPr lang="en-US" sz="5000" b="1">
-              <a:solidFill>
-                <a:srgbClr val="FF0000"/>
-              </a:solidFill>
-              <a:latin typeface="Times New Roman" panose="02020603050405020304" pitchFamily="18" charset="0"/>
-              <a:cs typeface="Times New Roman" panose="02020603050405020304" pitchFamily="18" charset="0"/>
-            </a:endParaRPr>
+                <a:latin typeface="Segoe UI Black" panose="020B0A02040204020203" pitchFamily="34" charset="0"/>
+                <a:cs typeface="Times New Roman" panose="02020603050405020304" pitchFamily="18" charset="0"/>
+              </a:rPr>
+              <a:t>Analog to Modbus Converter</a:t>
+            </a:r>
           </a:p>
         </p:txBody>
       </p:sp>
@@ -3980,7 +3851,7 @@
         <p:spPr>
           <a:xfrm>
             <a:off x="1881352" y="4692075"/>
-            <a:ext cx="10037378" cy="1938992"/>
+            <a:ext cx="10037378" cy="2345322"/>
           </a:xfrm>
           <a:prstGeom prst="rect">
             <a:avLst/>
@@ -4001,123 +3872,102 @@
               </a:lnSpc>
             </a:pPr>
             <a:r>
-              <a:rPr lang="vi-VN" sz="2000">
-                <a:latin typeface="Times New Roman" panose="02020603050405020304" pitchFamily="18" charset="0"/>
+              <a:rPr lang="vi-VN" sz="2000" dirty="0">
+                <a:latin typeface="Segoe UI Black" panose="020B0A02040204020203" pitchFamily="34" charset="0"/>
                 <a:cs typeface="Times New Roman" panose="02020603050405020304" pitchFamily="18" charset="0"/>
               </a:rPr>
               <a:t>Ngoài ra, đối với ứng dụng đo nhiệt độ thì còn có </a:t>
             </a:r>
             <a:r>
-              <a:rPr lang="vi-VN" sz="2000" b="1">
-                <a:latin typeface="Times New Roman" panose="02020603050405020304" pitchFamily="18" charset="0"/>
+              <a:rPr lang="vi-VN" sz="2000" b="1" dirty="0">
+                <a:latin typeface="Segoe UI Black" panose="020B0A02040204020203" pitchFamily="34" charset="0"/>
                 <a:cs typeface="Times New Roman" panose="02020603050405020304" pitchFamily="18" charset="0"/>
               </a:rPr>
               <a:t>bộ chuyển đổi </a:t>
             </a:r>
             <a:r>
-              <a:rPr lang="en-US" sz="2000" b="1" smtClean="0">
-                <a:latin typeface="Times New Roman" panose="02020603050405020304" pitchFamily="18" charset="0"/>
+              <a:rPr lang="en-US" sz="2000" b="1" dirty="0">
+                <a:latin typeface="Segoe UI Black" panose="020B0A02040204020203" pitchFamily="34" charset="0"/>
                 <a:cs typeface="Times New Roman" panose="02020603050405020304" pitchFamily="18" charset="0"/>
               </a:rPr>
               <a:t>PT</a:t>
             </a:r>
             <a:r>
-              <a:rPr lang="vi-VN" sz="2000" b="1" smtClean="0">
-                <a:latin typeface="Times New Roman" panose="02020603050405020304" pitchFamily="18" charset="0"/>
-                <a:cs typeface="Times New Roman" panose="02020603050405020304" pitchFamily="18" charset="0"/>
-              </a:rPr>
-              <a:t>100 </a:t>
-            </a:r>
-            <a:r>
-              <a:rPr lang="vi-VN" sz="2000" b="1">
-                <a:latin typeface="Times New Roman" panose="02020603050405020304" pitchFamily="18" charset="0"/>
-                <a:cs typeface="Times New Roman" panose="02020603050405020304" pitchFamily="18" charset="0"/>
-              </a:rPr>
-              <a:t>ra </a:t>
-            </a:r>
-            <a:r>
-              <a:rPr lang="en-US" sz="2000" b="1" smtClean="0">
-                <a:latin typeface="Times New Roman" panose="02020603050405020304" pitchFamily="18" charset="0"/>
+              <a:rPr lang="vi-VN" sz="2000" b="1" dirty="0">
+                <a:latin typeface="Segoe UI Black" panose="020B0A02040204020203" pitchFamily="34" charset="0"/>
+                <a:cs typeface="Times New Roman" panose="02020603050405020304" pitchFamily="18" charset="0"/>
+              </a:rPr>
+              <a:t>100 ra </a:t>
+            </a:r>
+            <a:r>
+              <a:rPr lang="en-US" sz="2000" b="1" dirty="0">
+                <a:latin typeface="Segoe UI Black" panose="020B0A02040204020203" pitchFamily="34" charset="0"/>
                 <a:cs typeface="Times New Roman" panose="02020603050405020304" pitchFamily="18" charset="0"/>
               </a:rPr>
               <a:t>M</a:t>
             </a:r>
             <a:r>
-              <a:rPr lang="vi-VN" sz="2000" b="1" smtClean="0">
-                <a:latin typeface="Times New Roman" panose="02020603050405020304" pitchFamily="18" charset="0"/>
+              <a:rPr lang="vi-VN" sz="2000" b="1" dirty="0">
+                <a:latin typeface="Segoe UI Black" panose="020B0A02040204020203" pitchFamily="34" charset="0"/>
                 <a:cs typeface="Times New Roman" panose="02020603050405020304" pitchFamily="18" charset="0"/>
               </a:rPr>
               <a:t>od</a:t>
             </a:r>
             <a:r>
-              <a:rPr lang="en-US" sz="2000" b="1" smtClean="0">
-                <a:latin typeface="Times New Roman" panose="02020603050405020304" pitchFamily="18" charset="0"/>
+              <a:rPr lang="en-US" sz="2000" b="1" dirty="0">
+                <a:latin typeface="Segoe UI Black" panose="020B0A02040204020203" pitchFamily="34" charset="0"/>
                 <a:cs typeface="Times New Roman" panose="02020603050405020304" pitchFamily="18" charset="0"/>
               </a:rPr>
               <a:t>B</a:t>
             </a:r>
             <a:r>
-              <a:rPr lang="vi-VN" sz="2000" b="1" smtClean="0">
-                <a:latin typeface="Times New Roman" panose="02020603050405020304" pitchFamily="18" charset="0"/>
+              <a:rPr lang="vi-VN" sz="2000" b="1" dirty="0">
+                <a:latin typeface="Segoe UI Black" panose="020B0A02040204020203" pitchFamily="34" charset="0"/>
                 <a:cs typeface="Times New Roman" panose="02020603050405020304" pitchFamily="18" charset="0"/>
               </a:rPr>
               <a:t>us </a:t>
             </a:r>
             <a:r>
-              <a:rPr lang="en-US" sz="2000" b="1" smtClean="0">
-                <a:latin typeface="Times New Roman" panose="02020603050405020304" pitchFamily="18" charset="0"/>
+              <a:rPr lang="en-US" sz="2000" b="1" dirty="0">
+                <a:latin typeface="Segoe UI Black" panose="020B0A02040204020203" pitchFamily="34" charset="0"/>
                 <a:cs typeface="Times New Roman" panose="02020603050405020304" pitchFamily="18" charset="0"/>
               </a:rPr>
               <a:t>RTU</a:t>
             </a:r>
             <a:r>
-              <a:rPr lang="vi-VN" sz="2000">
-                <a:latin typeface="Times New Roman" panose="02020603050405020304" pitchFamily="18" charset="0"/>
+              <a:rPr lang="vi-VN" sz="2000" dirty="0">
+                <a:latin typeface="Segoe UI Black" panose="020B0A02040204020203" pitchFamily="34" charset="0"/>
                 <a:cs typeface="Times New Roman" panose="02020603050405020304" pitchFamily="18" charset="0"/>
               </a:rPr>
               <a:t> như hình trên. Tín hiệu ngõ vào là 4 </a:t>
             </a:r>
             <a:r>
-              <a:rPr lang="en-US" sz="2000" smtClean="0">
-                <a:latin typeface="Times New Roman" panose="02020603050405020304" pitchFamily="18" charset="0"/>
+              <a:rPr lang="en-US" sz="2000" dirty="0">
+                <a:latin typeface="Segoe UI Black" panose="020B0A02040204020203" pitchFamily="34" charset="0"/>
                 <a:cs typeface="Times New Roman" panose="02020603050405020304" pitchFamily="18" charset="0"/>
               </a:rPr>
               <a:t>PT</a:t>
             </a:r>
             <a:r>
-              <a:rPr lang="vi-VN" sz="2000" smtClean="0">
-                <a:latin typeface="Times New Roman" panose="02020603050405020304" pitchFamily="18" charset="0"/>
-                <a:cs typeface="Times New Roman" panose="02020603050405020304" pitchFamily="18" charset="0"/>
-              </a:rPr>
-              <a:t>100 </a:t>
-            </a:r>
-            <a:r>
-              <a:rPr lang="vi-VN" sz="2000">
-                <a:latin typeface="Times New Roman" panose="02020603050405020304" pitchFamily="18" charset="0"/>
-                <a:cs typeface="Times New Roman" panose="02020603050405020304" pitchFamily="18" charset="0"/>
-              </a:rPr>
-              <a:t>sẽ được bộ chuyển đổi đưa về dạng Modbus RTU. Nếu không sử dụng đến thiết bị chuyển sang modbus thì chúng ta phải sử dụng đến 4 bộ chuyển đổi </a:t>
-            </a:r>
-            <a:r>
-              <a:rPr lang="en-US" sz="2000" smtClean="0">
-                <a:latin typeface="Times New Roman" panose="02020603050405020304" pitchFamily="18" charset="0"/>
+              <a:rPr lang="vi-VN" sz="2000" dirty="0">
+                <a:latin typeface="Segoe UI Black" panose="020B0A02040204020203" pitchFamily="34" charset="0"/>
+                <a:cs typeface="Times New Roman" panose="02020603050405020304" pitchFamily="18" charset="0"/>
+              </a:rPr>
+              <a:t>100 sẽ được bộ chuyển đổi đưa về dạng Modbus RTU. Nếu không sử dụng đến thiết bị chuyển sang modbus thì chúng ta phải sử dụng đến 4 bộ chuyển đổi </a:t>
+            </a:r>
+            <a:r>
+              <a:rPr lang="en-US" sz="2000" dirty="0">
+                <a:latin typeface="Segoe UI Black" panose="020B0A02040204020203" pitchFamily="34" charset="0"/>
                 <a:cs typeface="Times New Roman" panose="02020603050405020304" pitchFamily="18" charset="0"/>
               </a:rPr>
               <a:t>PT</a:t>
             </a:r>
             <a:r>
-              <a:rPr lang="vi-VN" sz="2000" smtClean="0">
-                <a:latin typeface="Times New Roman" panose="02020603050405020304" pitchFamily="18" charset="0"/>
-                <a:cs typeface="Times New Roman" panose="02020603050405020304" pitchFamily="18" charset="0"/>
-              </a:rPr>
-              <a:t>100 </a:t>
-            </a:r>
-            <a:r>
-              <a:rPr lang="vi-VN" sz="2000">
-                <a:latin typeface="Times New Roman" panose="02020603050405020304" pitchFamily="18" charset="0"/>
-                <a:cs typeface="Times New Roman" panose="02020603050405020304" pitchFamily="18" charset="0"/>
-              </a:rPr>
-              <a:t>ra 4-20mA để đưa về PLC rất tốn kém.</a:t>
+              <a:rPr lang="vi-VN" sz="2000" dirty="0">
+                <a:latin typeface="Segoe UI Black" panose="020B0A02040204020203" pitchFamily="34" charset="0"/>
+                <a:cs typeface="Times New Roman" panose="02020603050405020304" pitchFamily="18" charset="0"/>
+              </a:rPr>
+              <a:t>100 ra 4-20mA để đưa về PLC rất tốn kém.</a:t>
             </a:r>
           </a:p>
         </p:txBody>
@@ -4156,13 +4006,6 @@
   <p:clrMapOvr>
     <a:masterClrMapping/>
   </p:clrMapOvr>
-  <p:timing>
-    <p:tnLst>
-      <p:par>
-        <p:cTn id="1" dur="indefinite" restart="never" nodeType="tmRoot"/>
-      </p:par>
-    </p:tnLst>
-  </p:timing>
 </p:sld>
 </file>
 
@@ -4198,28 +4041,22 @@
             <a:off x="367749" y="1643144"/>
             <a:ext cx="6619874" cy="1239839"/>
           </a:xfrm>
+          <a:noFill/>
+          <a:ln>
+            <a:noFill/>
+          </a:ln>
         </p:spPr>
         <p:txBody>
           <a:bodyPr/>
           <a:lstStyle/>
           <a:p>
             <a:r>
-              <a:rPr lang="en-US" sz="5000" b="1" smtClean="0">
-                <a:solidFill>
-                  <a:srgbClr val="FFFF00"/>
-                </a:solidFill>
-                <a:latin typeface="Times New Roman" panose="02020603050405020304" pitchFamily="18" charset="0"/>
+              <a:rPr lang="en-US" sz="4800" b="1" dirty="0">
+                <a:latin typeface="Segoe UI Black" panose="020B0A02040204020203" pitchFamily="34" charset="0"/>
                 <a:cs typeface="Times New Roman" panose="02020603050405020304" pitchFamily="18" charset="0"/>
               </a:rPr>
               <a:t>Thank you for listening</a:t>
             </a:r>
-            <a:endParaRPr lang="en-US" sz="5000" b="1">
-              <a:solidFill>
-                <a:srgbClr val="FFFF00"/>
-              </a:solidFill>
-              <a:latin typeface="Times New Roman" panose="02020603050405020304" pitchFamily="18" charset="0"/>
-              <a:cs typeface="Times New Roman" panose="02020603050405020304" pitchFamily="18" charset="0"/>
-            </a:endParaRPr>
           </a:p>
         </p:txBody>
       </p:sp>
@@ -4239,10 +4076,9 @@
           <a:lstStyle/>
           <a:p>
             <a:r>
-              <a:rPr lang="en-US" smtClean="0"/>
+              <a:rPr lang="en-US"/>
               <a:t>www.indruino.com</a:t>
             </a:r>
-            <a:endParaRPr lang="en-US"/>
           </a:p>
         </p:txBody>
       </p:sp>
@@ -4254,19 +4090,15 @@
         </p:nvSpPr>
         <p:spPr>
           <a:xfrm>
-            <a:off x="2236717" y="3036213"/>
-            <a:ext cx="4611757" cy="861774"/>
+            <a:off x="2624906" y="3968361"/>
+            <a:ext cx="4611757" cy="707886"/>
           </a:xfrm>
           <a:prstGeom prst="rect">
             <a:avLst/>
           </a:prstGeom>
-          <a:solidFill>
-            <a:schemeClr val="tx1"/>
-          </a:solidFill>
+          <a:noFill/>
           <a:ln w="57150">
-            <a:solidFill>
-              <a:srgbClr val="00B0F0"/>
-            </a:solidFill>
+            <a:noFill/>
           </a:ln>
         </p:spPr>
         <p:txBody>
@@ -4276,159 +4108,139 @@
           <a:lstStyle/>
           <a:p>
             <a:r>
-              <a:rPr lang="en-US" sz="2500" err="1" smtClean="0">
+              <a:rPr lang="en-US" sz="2000" dirty="0" err="1">
                 <a:solidFill>
                   <a:schemeClr val="bg1"/>
                 </a:solidFill>
-                <a:latin typeface="Times New Roman" panose="02020603050405020304" pitchFamily="18" charset="0"/>
+                <a:latin typeface="Segoe UI Black" panose="020B0A02040204020203" pitchFamily="34" charset="0"/>
                 <a:cs typeface="Times New Roman" panose="02020603050405020304" pitchFamily="18" charset="0"/>
               </a:rPr>
               <a:t>Diễn</a:t>
             </a:r>
             <a:r>
-              <a:rPr lang="en-US" sz="2500" smtClean="0">
+              <a:rPr lang="en-US" sz="2000" dirty="0">
                 <a:solidFill>
                   <a:schemeClr val="bg1"/>
                 </a:solidFill>
-                <a:latin typeface="Times New Roman" panose="02020603050405020304" pitchFamily="18" charset="0"/>
+                <a:latin typeface="Segoe UI Black" panose="020B0A02040204020203" pitchFamily="34" charset="0"/>
                 <a:cs typeface="Times New Roman" panose="02020603050405020304" pitchFamily="18" charset="0"/>
               </a:rPr>
               <a:t> </a:t>
             </a:r>
             <a:r>
-              <a:rPr lang="en-US" sz="2500" err="1" smtClean="0">
+              <a:rPr lang="en-US" sz="2000" dirty="0" err="1">
                 <a:solidFill>
                   <a:schemeClr val="bg1"/>
                 </a:solidFill>
-                <a:latin typeface="Times New Roman" panose="02020603050405020304" pitchFamily="18" charset="0"/>
+                <a:latin typeface="Segoe UI Black" panose="020B0A02040204020203" pitchFamily="34" charset="0"/>
                 <a:cs typeface="Times New Roman" panose="02020603050405020304" pitchFamily="18" charset="0"/>
               </a:rPr>
               <a:t>giả</a:t>
             </a:r>
             <a:r>
-              <a:rPr lang="en-US" sz="2500" smtClean="0">
+              <a:rPr lang="en-US" sz="2000" dirty="0">
                 <a:solidFill>
                   <a:schemeClr val="bg1"/>
                 </a:solidFill>
-                <a:latin typeface="Times New Roman" panose="02020603050405020304" pitchFamily="18" charset="0"/>
+                <a:latin typeface="Segoe UI Black" panose="020B0A02040204020203" pitchFamily="34" charset="0"/>
                 <a:cs typeface="Times New Roman" panose="02020603050405020304" pitchFamily="18" charset="0"/>
               </a:rPr>
               <a:t>: Phan </a:t>
             </a:r>
             <a:r>
-              <a:rPr lang="en-US" sz="2500" err="1" smtClean="0">
+              <a:rPr lang="en-US" sz="2000" dirty="0" err="1">
                 <a:solidFill>
                   <a:schemeClr val="bg1"/>
                 </a:solidFill>
-                <a:latin typeface="Times New Roman" panose="02020603050405020304" pitchFamily="18" charset="0"/>
+                <a:latin typeface="Segoe UI Black" panose="020B0A02040204020203" pitchFamily="34" charset="0"/>
                 <a:cs typeface="Times New Roman" panose="02020603050405020304" pitchFamily="18" charset="0"/>
               </a:rPr>
               <a:t>Hoàng</a:t>
             </a:r>
             <a:r>
-              <a:rPr lang="en-US" sz="2500" smtClean="0">
+              <a:rPr lang="en-US" sz="2000" dirty="0">
                 <a:solidFill>
                   <a:schemeClr val="bg1"/>
                 </a:solidFill>
-                <a:latin typeface="Times New Roman" panose="02020603050405020304" pitchFamily="18" charset="0"/>
-                <a:cs typeface="Times New Roman" panose="02020603050405020304" pitchFamily="18" charset="0"/>
-              </a:rPr>
-              <a:t> </a:t>
-            </a:r>
-            <a:r>
-              <a:rPr lang="en-US" sz="2500" err="1" smtClean="0">
+                <a:latin typeface="Segoe UI Black" panose="020B0A02040204020203" pitchFamily="34" charset="0"/>
+                <a:cs typeface="Times New Roman" panose="02020603050405020304" pitchFamily="18" charset="0"/>
+              </a:rPr>
+              <a:t> Anh </a:t>
+            </a:r>
+            <a:r>
+              <a:rPr lang="en-US" sz="2000" dirty="0" err="1">
                 <a:solidFill>
                   <a:schemeClr val="bg1"/>
                 </a:solidFill>
-                <a:latin typeface="Times New Roman" panose="02020603050405020304" pitchFamily="18" charset="0"/>
-                <a:cs typeface="Times New Roman" panose="02020603050405020304" pitchFamily="18" charset="0"/>
-              </a:rPr>
-              <a:t>Anh</a:t>
-            </a:r>
-            <a:r>
-              <a:rPr lang="en-US" sz="2500" smtClean="0">
-                <a:solidFill>
-                  <a:schemeClr val="bg1"/>
-                </a:solidFill>
-                <a:latin typeface="Times New Roman" panose="02020603050405020304" pitchFamily="18" charset="0"/>
-                <a:cs typeface="Times New Roman" panose="02020603050405020304" pitchFamily="18" charset="0"/>
-              </a:rPr>
-              <a:t> </a:t>
-            </a:r>
-            <a:r>
-              <a:rPr lang="en-US" sz="2500" err="1" smtClean="0">
-                <a:solidFill>
-                  <a:schemeClr val="bg1"/>
-                </a:solidFill>
-                <a:latin typeface="Times New Roman" panose="02020603050405020304" pitchFamily="18" charset="0"/>
+                <a:latin typeface="Segoe UI Black" panose="020B0A02040204020203" pitchFamily="34" charset="0"/>
                 <a:cs typeface="Times New Roman" panose="02020603050405020304" pitchFamily="18" charset="0"/>
               </a:rPr>
               <a:t>Tuấn</a:t>
             </a:r>
-            <a:endParaRPr lang="en-US" sz="2500" smtClean="0">
+            <a:endParaRPr lang="en-US" sz="2000" dirty="0">
               <a:solidFill>
                 <a:schemeClr val="bg1"/>
               </a:solidFill>
-              <a:latin typeface="Times New Roman" panose="02020603050405020304" pitchFamily="18" charset="0"/>
+              <a:latin typeface="Segoe UI Black" panose="020B0A02040204020203" pitchFamily="34" charset="0"/>
               <a:cs typeface="Times New Roman" panose="02020603050405020304" pitchFamily="18" charset="0"/>
             </a:endParaRPr>
           </a:p>
           <a:p>
             <a:r>
-              <a:rPr lang="en-US" sz="2500" err="1" smtClean="0">
+              <a:rPr lang="en-US" sz="2000" dirty="0" err="1">
                 <a:solidFill>
                   <a:schemeClr val="bg1"/>
                 </a:solidFill>
-                <a:latin typeface="Times New Roman" panose="02020603050405020304" pitchFamily="18" charset="0"/>
+                <a:latin typeface="Segoe UI Black" panose="020B0A02040204020203" pitchFamily="34" charset="0"/>
                 <a:cs typeface="Times New Roman" panose="02020603050405020304" pitchFamily="18" charset="0"/>
               </a:rPr>
               <a:t>Bộ</a:t>
             </a:r>
             <a:r>
-              <a:rPr lang="en-US" sz="2500" smtClean="0">
+              <a:rPr lang="en-US" sz="2000" dirty="0">
                 <a:solidFill>
                   <a:schemeClr val="bg1"/>
                 </a:solidFill>
-                <a:latin typeface="Times New Roman" panose="02020603050405020304" pitchFamily="18" charset="0"/>
+                <a:latin typeface="Segoe UI Black" panose="020B0A02040204020203" pitchFamily="34" charset="0"/>
                 <a:cs typeface="Times New Roman" panose="02020603050405020304" pitchFamily="18" charset="0"/>
               </a:rPr>
               <a:t> </a:t>
             </a:r>
             <a:r>
-              <a:rPr lang="en-US" sz="2500" err="1" smtClean="0">
+              <a:rPr lang="en-US" sz="2000" dirty="0" err="1">
                 <a:solidFill>
                   <a:schemeClr val="bg1"/>
                 </a:solidFill>
-                <a:latin typeface="Times New Roman" panose="02020603050405020304" pitchFamily="18" charset="0"/>
+                <a:latin typeface="Segoe UI Black" panose="020B0A02040204020203" pitchFamily="34" charset="0"/>
                 <a:cs typeface="Times New Roman" panose="02020603050405020304" pitchFamily="18" charset="0"/>
               </a:rPr>
               <a:t>phận</a:t>
             </a:r>
             <a:r>
-              <a:rPr lang="en-US" sz="2500" smtClean="0">
+              <a:rPr lang="en-US" sz="2000" dirty="0">
                 <a:solidFill>
                   <a:schemeClr val="bg1"/>
                 </a:solidFill>
-                <a:latin typeface="Times New Roman" panose="02020603050405020304" pitchFamily="18" charset="0"/>
+                <a:latin typeface="Segoe UI Black" panose="020B0A02040204020203" pitchFamily="34" charset="0"/>
                 <a:cs typeface="Times New Roman" panose="02020603050405020304" pitchFamily="18" charset="0"/>
               </a:rPr>
               <a:t>: IoT - </a:t>
             </a:r>
             <a:r>
-              <a:rPr lang="en-US" sz="2500" err="1" smtClean="0">
+              <a:rPr lang="en-US" sz="2000" dirty="0" err="1">
                 <a:solidFill>
                   <a:schemeClr val="bg1"/>
                 </a:solidFill>
-                <a:latin typeface="Times New Roman" panose="02020603050405020304" pitchFamily="18" charset="0"/>
+                <a:latin typeface="Segoe UI Black" panose="020B0A02040204020203" pitchFamily="34" charset="0"/>
                 <a:cs typeface="Times New Roman" panose="02020603050405020304" pitchFamily="18" charset="0"/>
               </a:rPr>
               <a:t>Indruino</a:t>
             </a:r>
-            <a:endParaRPr lang="en-US" sz="2500">
+            <a:endParaRPr lang="en-US" sz="2000" dirty="0">
               <a:solidFill>
                 <a:schemeClr val="bg1"/>
               </a:solidFill>
-              <a:latin typeface="Times New Roman" panose="02020603050405020304" pitchFamily="18" charset="0"/>
+              <a:latin typeface="Segoe UI Black" panose="020B0A02040204020203" pitchFamily="34" charset="0"/>
               <a:cs typeface="Times New Roman" panose="02020603050405020304" pitchFamily="18" charset="0"/>
             </a:endParaRPr>
           </a:p>
@@ -4444,13 +4256,6 @@
   <p:clrMapOvr>
     <a:masterClrMapping/>
   </p:clrMapOvr>
-  <p:timing>
-    <p:tnLst>
-      <p:par>
-        <p:cTn id="1" dur="indefinite" restart="never" nodeType="tmRoot"/>
-      </p:par>
-    </p:tnLst>
-  </p:timing>
 </p:sld>
 </file>
 
@@ -4486,9 +4291,10 @@
             <a:off x="1549281" y="2303461"/>
             <a:ext cx="5986626" cy="1239839"/>
           </a:xfrm>
-          <a:solidFill>
-            <a:srgbClr val="FFFF00"/>
-          </a:solidFill>
+          <a:noFill/>
+          <a:ln>
+            <a:noFill/>
+          </a:ln>
         </p:spPr>
         <p:txBody>
           <a:bodyPr/>
@@ -4496,20 +4302,14 @@
           <a:p>
             <a:pPr algn="ctr"/>
             <a:r>
-              <a:rPr lang="en-US" sz="7000" b="1" smtClean="0">
-                <a:solidFill>
-                  <a:srgbClr val="FF0000"/>
-                </a:solidFill>
-                <a:latin typeface="Times New Roman" panose="02020603050405020304" pitchFamily="18" charset="0"/>
+              <a:rPr lang="en-US" sz="4800" b="1" dirty="0" err="1">
+                <a:latin typeface="Segoe UI Black" panose="020B0A02040204020203" pitchFamily="34" charset="0"/>
                 <a:cs typeface="Times New Roman" panose="02020603050405020304" pitchFamily="18" charset="0"/>
               </a:rPr>
               <a:t>ModBus</a:t>
             </a:r>
-            <a:endParaRPr lang="en-US" sz="7000" b="1">
-              <a:solidFill>
-                <a:srgbClr val="FF0000"/>
-              </a:solidFill>
-              <a:latin typeface="Times New Roman" panose="02020603050405020304" pitchFamily="18" charset="0"/>
+            <a:endParaRPr lang="en-US" sz="4800" b="1" dirty="0">
+              <a:latin typeface="Segoe UI Black" panose="020B0A02040204020203" pitchFamily="34" charset="0"/>
               <a:cs typeface="Times New Roman" panose="02020603050405020304" pitchFamily="18" charset="0"/>
             </a:endParaRPr>
           </a:p>
@@ -4531,10 +4331,9 @@
           <a:lstStyle/>
           <a:p>
             <a:r>
-              <a:rPr lang="en-US" smtClean="0"/>
+              <a:rPr lang="en-US"/>
               <a:t>www.indruino.com</a:t>
             </a:r>
-            <a:endParaRPr lang="en-US"/>
           </a:p>
         </p:txBody>
       </p:sp>
@@ -4546,19 +4345,15 @@
         </p:nvSpPr>
         <p:spPr>
           <a:xfrm>
-            <a:off x="2236716" y="4098014"/>
-            <a:ext cx="4611757" cy="861774"/>
+            <a:off x="2788806" y="4986535"/>
+            <a:ext cx="4611757" cy="707886"/>
           </a:xfrm>
           <a:prstGeom prst="rect">
             <a:avLst/>
           </a:prstGeom>
-          <a:solidFill>
-            <a:schemeClr val="tx1"/>
-          </a:solidFill>
+          <a:noFill/>
           <a:ln w="57150">
-            <a:solidFill>
-              <a:srgbClr val="00B0F0"/>
-            </a:solidFill>
+            <a:noFill/>
           </a:ln>
         </p:spPr>
         <p:txBody>
@@ -4568,159 +4363,139 @@
           <a:lstStyle/>
           <a:p>
             <a:r>
-              <a:rPr lang="en-US" sz="2500" err="1" smtClean="0">
+              <a:rPr lang="en-US" sz="2000" dirty="0" err="1">
                 <a:solidFill>
                   <a:schemeClr val="bg1"/>
                 </a:solidFill>
-                <a:latin typeface="Times New Roman" panose="02020603050405020304" pitchFamily="18" charset="0"/>
+                <a:latin typeface="Segoe UI Black" panose="020B0A02040204020203" pitchFamily="34" charset="0"/>
                 <a:cs typeface="Times New Roman" panose="02020603050405020304" pitchFamily="18" charset="0"/>
               </a:rPr>
               <a:t>Diễn</a:t>
             </a:r>
             <a:r>
-              <a:rPr lang="en-US" sz="2500" smtClean="0">
+              <a:rPr lang="en-US" sz="2000" dirty="0">
                 <a:solidFill>
                   <a:schemeClr val="bg1"/>
                 </a:solidFill>
-                <a:latin typeface="Times New Roman" panose="02020603050405020304" pitchFamily="18" charset="0"/>
+                <a:latin typeface="Segoe UI Black" panose="020B0A02040204020203" pitchFamily="34" charset="0"/>
                 <a:cs typeface="Times New Roman" panose="02020603050405020304" pitchFamily="18" charset="0"/>
               </a:rPr>
               <a:t> </a:t>
             </a:r>
             <a:r>
-              <a:rPr lang="en-US" sz="2500" err="1" smtClean="0">
+              <a:rPr lang="en-US" sz="2000" dirty="0" err="1">
                 <a:solidFill>
                   <a:schemeClr val="bg1"/>
                 </a:solidFill>
-                <a:latin typeface="Times New Roman" panose="02020603050405020304" pitchFamily="18" charset="0"/>
+                <a:latin typeface="Segoe UI Black" panose="020B0A02040204020203" pitchFamily="34" charset="0"/>
                 <a:cs typeface="Times New Roman" panose="02020603050405020304" pitchFamily="18" charset="0"/>
               </a:rPr>
               <a:t>giả</a:t>
             </a:r>
             <a:r>
-              <a:rPr lang="en-US" sz="2500" smtClean="0">
+              <a:rPr lang="en-US" sz="2000" dirty="0">
                 <a:solidFill>
                   <a:schemeClr val="bg1"/>
                 </a:solidFill>
-                <a:latin typeface="Times New Roman" panose="02020603050405020304" pitchFamily="18" charset="0"/>
+                <a:latin typeface="Segoe UI Black" panose="020B0A02040204020203" pitchFamily="34" charset="0"/>
                 <a:cs typeface="Times New Roman" panose="02020603050405020304" pitchFamily="18" charset="0"/>
               </a:rPr>
               <a:t>: Phan </a:t>
             </a:r>
             <a:r>
-              <a:rPr lang="en-US" sz="2500" err="1" smtClean="0">
+              <a:rPr lang="en-US" sz="2000" dirty="0" err="1">
                 <a:solidFill>
                   <a:schemeClr val="bg1"/>
                 </a:solidFill>
-                <a:latin typeface="Times New Roman" panose="02020603050405020304" pitchFamily="18" charset="0"/>
+                <a:latin typeface="Segoe UI Black" panose="020B0A02040204020203" pitchFamily="34" charset="0"/>
                 <a:cs typeface="Times New Roman" panose="02020603050405020304" pitchFamily="18" charset="0"/>
               </a:rPr>
               <a:t>Hoàng</a:t>
             </a:r>
             <a:r>
-              <a:rPr lang="en-US" sz="2500" smtClean="0">
+              <a:rPr lang="en-US" sz="2000" dirty="0">
                 <a:solidFill>
                   <a:schemeClr val="bg1"/>
                 </a:solidFill>
-                <a:latin typeface="Times New Roman" panose="02020603050405020304" pitchFamily="18" charset="0"/>
-                <a:cs typeface="Times New Roman" panose="02020603050405020304" pitchFamily="18" charset="0"/>
-              </a:rPr>
-              <a:t> </a:t>
-            </a:r>
-            <a:r>
-              <a:rPr lang="en-US" sz="2500" err="1" smtClean="0">
+                <a:latin typeface="Segoe UI Black" panose="020B0A02040204020203" pitchFamily="34" charset="0"/>
+                <a:cs typeface="Times New Roman" panose="02020603050405020304" pitchFamily="18" charset="0"/>
+              </a:rPr>
+              <a:t> Anh </a:t>
+            </a:r>
+            <a:r>
+              <a:rPr lang="en-US" sz="2000" dirty="0" err="1">
                 <a:solidFill>
                   <a:schemeClr val="bg1"/>
                 </a:solidFill>
-                <a:latin typeface="Times New Roman" panose="02020603050405020304" pitchFamily="18" charset="0"/>
-                <a:cs typeface="Times New Roman" panose="02020603050405020304" pitchFamily="18" charset="0"/>
-              </a:rPr>
-              <a:t>Anh</a:t>
-            </a:r>
-            <a:r>
-              <a:rPr lang="en-US" sz="2500" smtClean="0">
-                <a:solidFill>
-                  <a:schemeClr val="bg1"/>
-                </a:solidFill>
-                <a:latin typeface="Times New Roman" panose="02020603050405020304" pitchFamily="18" charset="0"/>
-                <a:cs typeface="Times New Roman" panose="02020603050405020304" pitchFamily="18" charset="0"/>
-              </a:rPr>
-              <a:t> </a:t>
-            </a:r>
-            <a:r>
-              <a:rPr lang="en-US" sz="2500" err="1" smtClean="0">
-                <a:solidFill>
-                  <a:schemeClr val="bg1"/>
-                </a:solidFill>
-                <a:latin typeface="Times New Roman" panose="02020603050405020304" pitchFamily="18" charset="0"/>
+                <a:latin typeface="Segoe UI Black" panose="020B0A02040204020203" pitchFamily="34" charset="0"/>
                 <a:cs typeface="Times New Roman" panose="02020603050405020304" pitchFamily="18" charset="0"/>
               </a:rPr>
               <a:t>Tuấn</a:t>
             </a:r>
-            <a:endParaRPr lang="en-US" sz="2500" smtClean="0">
+            <a:endParaRPr lang="en-US" sz="2000" dirty="0">
               <a:solidFill>
                 <a:schemeClr val="bg1"/>
               </a:solidFill>
-              <a:latin typeface="Times New Roman" panose="02020603050405020304" pitchFamily="18" charset="0"/>
+              <a:latin typeface="Segoe UI Black" panose="020B0A02040204020203" pitchFamily="34" charset="0"/>
               <a:cs typeface="Times New Roman" panose="02020603050405020304" pitchFamily="18" charset="0"/>
             </a:endParaRPr>
           </a:p>
           <a:p>
             <a:r>
-              <a:rPr lang="en-US" sz="2500" err="1" smtClean="0">
+              <a:rPr lang="en-US" sz="2000" dirty="0" err="1">
                 <a:solidFill>
                   <a:schemeClr val="bg1"/>
                 </a:solidFill>
-                <a:latin typeface="Times New Roman" panose="02020603050405020304" pitchFamily="18" charset="0"/>
+                <a:latin typeface="Segoe UI Black" panose="020B0A02040204020203" pitchFamily="34" charset="0"/>
                 <a:cs typeface="Times New Roman" panose="02020603050405020304" pitchFamily="18" charset="0"/>
               </a:rPr>
               <a:t>Bộ</a:t>
             </a:r>
             <a:r>
-              <a:rPr lang="en-US" sz="2500" smtClean="0">
+              <a:rPr lang="en-US" sz="2000" dirty="0">
                 <a:solidFill>
                   <a:schemeClr val="bg1"/>
                 </a:solidFill>
-                <a:latin typeface="Times New Roman" panose="02020603050405020304" pitchFamily="18" charset="0"/>
+                <a:latin typeface="Segoe UI Black" panose="020B0A02040204020203" pitchFamily="34" charset="0"/>
                 <a:cs typeface="Times New Roman" panose="02020603050405020304" pitchFamily="18" charset="0"/>
               </a:rPr>
               <a:t> </a:t>
             </a:r>
             <a:r>
-              <a:rPr lang="en-US" sz="2500" err="1" smtClean="0">
+              <a:rPr lang="en-US" sz="2000" dirty="0" err="1">
                 <a:solidFill>
                   <a:schemeClr val="bg1"/>
                 </a:solidFill>
-                <a:latin typeface="Times New Roman" panose="02020603050405020304" pitchFamily="18" charset="0"/>
+                <a:latin typeface="Segoe UI Black" panose="020B0A02040204020203" pitchFamily="34" charset="0"/>
                 <a:cs typeface="Times New Roman" panose="02020603050405020304" pitchFamily="18" charset="0"/>
               </a:rPr>
               <a:t>phận</a:t>
             </a:r>
             <a:r>
-              <a:rPr lang="en-US" sz="2500" smtClean="0">
+              <a:rPr lang="en-US" sz="2000" dirty="0">
                 <a:solidFill>
                   <a:schemeClr val="bg1"/>
                 </a:solidFill>
-                <a:latin typeface="Times New Roman" panose="02020603050405020304" pitchFamily="18" charset="0"/>
+                <a:latin typeface="Segoe UI Black" panose="020B0A02040204020203" pitchFamily="34" charset="0"/>
                 <a:cs typeface="Times New Roman" panose="02020603050405020304" pitchFamily="18" charset="0"/>
               </a:rPr>
               <a:t>: IoT - </a:t>
             </a:r>
             <a:r>
-              <a:rPr lang="en-US" sz="2500" err="1" smtClean="0">
+              <a:rPr lang="en-US" sz="2000" dirty="0" err="1">
                 <a:solidFill>
                   <a:schemeClr val="bg1"/>
                 </a:solidFill>
-                <a:latin typeface="Times New Roman" panose="02020603050405020304" pitchFamily="18" charset="0"/>
+                <a:latin typeface="Segoe UI Black" panose="020B0A02040204020203" pitchFamily="34" charset="0"/>
                 <a:cs typeface="Times New Roman" panose="02020603050405020304" pitchFamily="18" charset="0"/>
               </a:rPr>
               <a:t>Indruino</a:t>
             </a:r>
-            <a:endParaRPr lang="en-US" sz="2500">
+            <a:endParaRPr lang="en-US" sz="2000" dirty="0">
               <a:solidFill>
                 <a:schemeClr val="bg1"/>
               </a:solidFill>
-              <a:latin typeface="Times New Roman" panose="02020603050405020304" pitchFamily="18" charset="0"/>
+              <a:latin typeface="Segoe UI Black" panose="020B0A02040204020203" pitchFamily="34" charset="0"/>
               <a:cs typeface="Times New Roman" panose="02020603050405020304" pitchFamily="18" charset="0"/>
             </a:endParaRPr>
           </a:p>
@@ -4736,13 +4511,6 @@
   <p:clrMapOvr>
     <a:masterClrMapping/>
   </p:clrMapOvr>
-  <p:timing>
-    <p:tnLst>
-      <p:par>
-        <p:cTn id="1" dur="indefinite" restart="never" nodeType="tmRoot"/>
-      </p:par>
-    </p:tnLst>
-  </p:timing>
 </p:sld>
 </file>
 
@@ -4772,7 +4540,7 @@
         <p:spPr>
           <a:xfrm>
             <a:off x="2496205" y="714703"/>
-            <a:ext cx="8734097" cy="861774"/>
+            <a:ext cx="8734097" cy="553998"/>
           </a:xfrm>
           <a:prstGeom prst="rect">
             <a:avLst/>
@@ -4786,20 +4554,80 @@
           <a:lstStyle/>
           <a:p>
             <a:r>
-              <a:rPr lang="en-US" sz="5000" b="1" smtClean="0">
+              <a:rPr lang="en-US" sz="3000" b="1" dirty="0" err="1">
                 <a:solidFill>
                   <a:srgbClr val="FF0000"/>
                 </a:solidFill>
-                <a:latin typeface="Times New Roman" panose="02020603050405020304" pitchFamily="18" charset="0"/>
-                <a:cs typeface="Times New Roman" panose="02020603050405020304" pitchFamily="18" charset="0"/>
-              </a:rPr>
-              <a:t>Khái Niệm Giao Thức ModBus</a:t>
-            </a:r>
-            <a:endParaRPr lang="en-US" sz="5000" b="1">
+                <a:latin typeface="Segoe UI Black" panose="020B0A02040204020203" pitchFamily="34" charset="0"/>
+                <a:cs typeface="Times New Roman" panose="02020603050405020304" pitchFamily="18" charset="0"/>
+              </a:rPr>
+              <a:t>Khái</a:t>
+            </a:r>
+            <a:r>
+              <a:rPr lang="en-US" sz="3000" b="1" dirty="0">
+                <a:solidFill>
+                  <a:srgbClr val="FF0000"/>
+                </a:solidFill>
+                <a:latin typeface="Segoe UI Black" panose="020B0A02040204020203" pitchFamily="34" charset="0"/>
+                <a:cs typeface="Times New Roman" panose="02020603050405020304" pitchFamily="18" charset="0"/>
+              </a:rPr>
+              <a:t> </a:t>
+            </a:r>
+            <a:r>
+              <a:rPr lang="en-US" sz="3000" b="1" dirty="0" err="1">
+                <a:solidFill>
+                  <a:srgbClr val="FF0000"/>
+                </a:solidFill>
+                <a:latin typeface="Segoe UI Black" panose="020B0A02040204020203" pitchFamily="34" charset="0"/>
+                <a:cs typeface="Times New Roman" panose="02020603050405020304" pitchFamily="18" charset="0"/>
+              </a:rPr>
+              <a:t>Niệm</a:t>
+            </a:r>
+            <a:r>
+              <a:rPr lang="en-US" sz="3000" b="1" dirty="0">
+                <a:solidFill>
+                  <a:srgbClr val="FF0000"/>
+                </a:solidFill>
+                <a:latin typeface="Segoe UI Black" panose="020B0A02040204020203" pitchFamily="34" charset="0"/>
+                <a:cs typeface="Times New Roman" panose="02020603050405020304" pitchFamily="18" charset="0"/>
+              </a:rPr>
+              <a:t> Giao </a:t>
+            </a:r>
+            <a:r>
+              <a:rPr lang="en-US" sz="3000" b="1" dirty="0" err="1">
+                <a:solidFill>
+                  <a:srgbClr val="FF0000"/>
+                </a:solidFill>
+                <a:latin typeface="Segoe UI Black" panose="020B0A02040204020203" pitchFamily="34" charset="0"/>
+                <a:cs typeface="Times New Roman" panose="02020603050405020304" pitchFamily="18" charset="0"/>
+              </a:rPr>
+              <a:t>Thức</a:t>
+            </a:r>
+            <a:r>
+              <a:rPr lang="en-US" sz="3000" b="1" dirty="0">
+                <a:solidFill>
+                  <a:srgbClr val="FF0000"/>
+                </a:solidFill>
+                <a:latin typeface="Segoe UI Black" panose="020B0A02040204020203" pitchFamily="34" charset="0"/>
+                <a:cs typeface="Times New Roman" panose="02020603050405020304" pitchFamily="18" charset="0"/>
+              </a:rPr>
+              <a:t> </a:t>
+            </a:r>
+            <a:r>
+              <a:rPr lang="en-US" sz="3000" b="1" dirty="0" err="1">
+                <a:solidFill>
+                  <a:srgbClr val="FF0000"/>
+                </a:solidFill>
+                <a:latin typeface="Segoe UI Black" panose="020B0A02040204020203" pitchFamily="34" charset="0"/>
+                <a:cs typeface="Times New Roman" panose="02020603050405020304" pitchFamily="18" charset="0"/>
+              </a:rPr>
+              <a:t>ModBus</a:t>
+            </a:r>
+            <a:endParaRPr lang="en-US" sz="3000" b="1" dirty="0">
               <a:solidFill>
                 <a:srgbClr val="FF0000"/>
               </a:solidFill>
-              <a:latin typeface="Times New Roman" panose="02020603050405020304" pitchFamily="18" charset="0"/>
+              <a:latin typeface="Segoe UI Black" panose="020B0A02040204020203" pitchFamily="34" charset="0"/>
               <a:cs typeface="Times New Roman" panose="02020603050405020304" pitchFamily="18" charset="0"/>
             </a:endParaRPr>
           </a:p>
@@ -4814,7 +4642,7 @@
         <p:spPr>
           <a:xfrm>
             <a:off x="2033751" y="1798714"/>
-            <a:ext cx="9659007" cy="4708981"/>
+            <a:ext cx="9659007" cy="3728328"/>
           </a:xfrm>
           <a:prstGeom prst="rect">
             <a:avLst/>
@@ -4835,35 +4663,77 @@
               <a:buChar char="•"/>
             </a:pPr>
             <a:r>
-              <a:rPr lang="en-US" sz="2500" smtClean="0">
-                <a:latin typeface="Times New Roman" panose="02020603050405020304" pitchFamily="18" charset="0"/>
-                <a:cs typeface="Times New Roman" panose="02020603050405020304" pitchFamily="18" charset="0"/>
-              </a:rPr>
-              <a:t>Nói một cách ngắn gọn</a:t>
-            </a:r>
-            <a:r>
-              <a:rPr lang="vi-VN" sz="2500" smtClean="0">
-                <a:latin typeface="Times New Roman" panose="02020603050405020304" pitchFamily="18" charset="0"/>
-                <a:cs typeface="Times New Roman" panose="02020603050405020304" pitchFamily="18" charset="0"/>
-              </a:rPr>
-              <a:t>, </a:t>
-            </a:r>
-            <a:r>
-              <a:rPr lang="vi-VN" sz="2500">
-                <a:latin typeface="Times New Roman" panose="02020603050405020304" pitchFamily="18" charset="0"/>
-                <a:cs typeface="Times New Roman" panose="02020603050405020304" pitchFamily="18" charset="0"/>
-              </a:rPr>
-              <a:t>giao thức modbus là một hệ thống gồm nhiều thiết bị sử dụng cùng một giao thức để nói chuyện với nhau thông qua một cặp dây xoắn đơn</a:t>
-            </a:r>
-            <a:r>
-              <a:rPr lang="vi-VN" sz="2500" smtClean="0">
-                <a:latin typeface="Times New Roman" panose="02020603050405020304" pitchFamily="18" charset="0"/>
-                <a:cs typeface="Times New Roman" panose="02020603050405020304" pitchFamily="18" charset="0"/>
-              </a:rPr>
-              <a:t>.</a:t>
-            </a:r>
-            <a:endParaRPr lang="en-US" sz="2500" smtClean="0">
-              <a:latin typeface="Times New Roman" panose="02020603050405020304" pitchFamily="18" charset="0"/>
+              <a:rPr lang="en-US" sz="2000" dirty="0" err="1">
+                <a:latin typeface="Segoe UI Black" panose="020B0A02040204020203" pitchFamily="34" charset="0"/>
+                <a:cs typeface="Times New Roman" panose="02020603050405020304" pitchFamily="18" charset="0"/>
+              </a:rPr>
+              <a:t>Nói</a:t>
+            </a:r>
+            <a:r>
+              <a:rPr lang="en-US" sz="2000" dirty="0">
+                <a:latin typeface="Segoe UI Black" panose="020B0A02040204020203" pitchFamily="34" charset="0"/>
+                <a:cs typeface="Times New Roman" panose="02020603050405020304" pitchFamily="18" charset="0"/>
+              </a:rPr>
+              <a:t> </a:t>
+            </a:r>
+            <a:r>
+              <a:rPr lang="en-US" sz="2000" dirty="0" err="1">
+                <a:latin typeface="Segoe UI Black" panose="020B0A02040204020203" pitchFamily="34" charset="0"/>
+                <a:cs typeface="Times New Roman" panose="02020603050405020304" pitchFamily="18" charset="0"/>
+              </a:rPr>
+              <a:t>một</a:t>
+            </a:r>
+            <a:r>
+              <a:rPr lang="en-US" sz="2000" dirty="0">
+                <a:latin typeface="Segoe UI Black" panose="020B0A02040204020203" pitchFamily="34" charset="0"/>
+                <a:cs typeface="Times New Roman" panose="02020603050405020304" pitchFamily="18" charset="0"/>
+              </a:rPr>
+              <a:t> </a:t>
+            </a:r>
+            <a:r>
+              <a:rPr lang="en-US" sz="2000" dirty="0" err="1">
+                <a:latin typeface="Segoe UI Black" panose="020B0A02040204020203" pitchFamily="34" charset="0"/>
+                <a:cs typeface="Times New Roman" panose="02020603050405020304" pitchFamily="18" charset="0"/>
+              </a:rPr>
+              <a:t>cách</a:t>
+            </a:r>
+            <a:r>
+              <a:rPr lang="en-US" sz="2000" dirty="0">
+                <a:latin typeface="Segoe UI Black" panose="020B0A02040204020203" pitchFamily="34" charset="0"/>
+                <a:cs typeface="Times New Roman" panose="02020603050405020304" pitchFamily="18" charset="0"/>
+              </a:rPr>
+              <a:t> </a:t>
+            </a:r>
+            <a:r>
+              <a:rPr lang="en-US" sz="2000" dirty="0" err="1">
+                <a:latin typeface="Segoe UI Black" panose="020B0A02040204020203" pitchFamily="34" charset="0"/>
+                <a:cs typeface="Times New Roman" panose="02020603050405020304" pitchFamily="18" charset="0"/>
+              </a:rPr>
+              <a:t>ngắn</a:t>
+            </a:r>
+            <a:r>
+              <a:rPr lang="en-US" sz="2000" dirty="0">
+                <a:latin typeface="Segoe UI Black" panose="020B0A02040204020203" pitchFamily="34" charset="0"/>
+                <a:cs typeface="Times New Roman" panose="02020603050405020304" pitchFamily="18" charset="0"/>
+              </a:rPr>
+              <a:t> </a:t>
+            </a:r>
+            <a:r>
+              <a:rPr lang="en-US" sz="2000" dirty="0" err="1">
+                <a:latin typeface="Segoe UI Black" panose="020B0A02040204020203" pitchFamily="34" charset="0"/>
+                <a:cs typeface="Times New Roman" panose="02020603050405020304" pitchFamily="18" charset="0"/>
+              </a:rPr>
+              <a:t>gọn</a:t>
+            </a:r>
+            <a:r>
+              <a:rPr lang="vi-VN" sz="2000" dirty="0">
+                <a:latin typeface="Segoe UI Black" panose="020B0A02040204020203" pitchFamily="34" charset="0"/>
+                <a:cs typeface="Times New Roman" panose="02020603050405020304" pitchFamily="18" charset="0"/>
+              </a:rPr>
+              <a:t>, giao thức modbus là một hệ thống gồm nhiều thiết bị sử dụng cùng một giao thức để nói chuyện với nhau thông qua một cặp dây xoắn đơn.</a:t>
+            </a:r>
+            <a:endParaRPr lang="en-US" sz="2000" dirty="0">
+              <a:latin typeface="Segoe UI Black" panose="020B0A02040204020203" pitchFamily="34" charset="0"/>
               <a:cs typeface="Times New Roman" panose="02020603050405020304" pitchFamily="18" charset="0"/>
             </a:endParaRPr>
           </a:p>
@@ -4876,16 +4746,362 @@
               <a:buChar char="•"/>
             </a:pPr>
             <a:r>
-              <a:rPr lang="en-US" sz="2500">
-                <a:latin typeface="Times New Roman" panose="02020603050405020304" pitchFamily="18" charset="0"/>
-                <a:cs typeface="Times New Roman" panose="02020603050405020304" pitchFamily="18" charset="0"/>
-              </a:rPr>
-              <a:t>Giao thức modbus hoạt động dựa trên nguyên lý master – slave (chủ – tớ). Trong đó sẽ có một thiết bị đóng vai trò là master và nhiều thiết bị slave</a:t>
-            </a:r>
-            <a:endParaRPr lang="en-US" sz="2500" smtClean="0">
-              <a:latin typeface="Times New Roman" panose="02020603050405020304" pitchFamily="18" charset="0"/>
-              <a:cs typeface="Times New Roman" panose="02020603050405020304" pitchFamily="18" charset="0"/>
-            </a:endParaRPr>
+              <a:rPr lang="en-US" sz="2000" dirty="0">
+                <a:latin typeface="Segoe UI Black" panose="020B0A02040204020203" pitchFamily="34" charset="0"/>
+                <a:cs typeface="Times New Roman" panose="02020603050405020304" pitchFamily="18" charset="0"/>
+              </a:rPr>
+              <a:t>Giao </a:t>
+            </a:r>
+            <a:r>
+              <a:rPr lang="en-US" sz="2000" dirty="0" err="1">
+                <a:latin typeface="Segoe UI Black" panose="020B0A02040204020203" pitchFamily="34" charset="0"/>
+                <a:cs typeface="Times New Roman" panose="02020603050405020304" pitchFamily="18" charset="0"/>
+              </a:rPr>
+              <a:t>thức</a:t>
+            </a:r>
+            <a:r>
+              <a:rPr lang="en-US" sz="2000" dirty="0">
+                <a:latin typeface="Segoe UI Black" panose="020B0A02040204020203" pitchFamily="34" charset="0"/>
+                <a:cs typeface="Times New Roman" panose="02020603050405020304" pitchFamily="18" charset="0"/>
+              </a:rPr>
+              <a:t> </a:t>
+            </a:r>
+            <a:r>
+              <a:rPr lang="en-US" sz="2000" dirty="0" err="1">
+                <a:latin typeface="Segoe UI Black" panose="020B0A02040204020203" pitchFamily="34" charset="0"/>
+                <a:cs typeface="Times New Roman" panose="02020603050405020304" pitchFamily="18" charset="0"/>
+              </a:rPr>
+              <a:t>modbus</a:t>
+            </a:r>
+            <a:r>
+              <a:rPr lang="en-US" sz="2000" dirty="0">
+                <a:latin typeface="Segoe UI Black" panose="020B0A02040204020203" pitchFamily="34" charset="0"/>
+                <a:cs typeface="Times New Roman" panose="02020603050405020304" pitchFamily="18" charset="0"/>
+              </a:rPr>
+              <a:t> </a:t>
+            </a:r>
+            <a:r>
+              <a:rPr lang="en-US" sz="2000" dirty="0" err="1">
+                <a:latin typeface="Segoe UI Black" panose="020B0A02040204020203" pitchFamily="34" charset="0"/>
+                <a:cs typeface="Times New Roman" panose="02020603050405020304" pitchFamily="18" charset="0"/>
+              </a:rPr>
+              <a:t>hoạt</a:t>
+            </a:r>
+            <a:r>
+              <a:rPr lang="en-US" sz="2000" dirty="0">
+                <a:latin typeface="Segoe UI Black" panose="020B0A02040204020203" pitchFamily="34" charset="0"/>
+                <a:cs typeface="Times New Roman" panose="02020603050405020304" pitchFamily="18" charset="0"/>
+              </a:rPr>
+              <a:t> </a:t>
+            </a:r>
+            <a:r>
+              <a:rPr lang="en-US" sz="2000" dirty="0" err="1">
+                <a:latin typeface="Segoe UI Black" panose="020B0A02040204020203" pitchFamily="34" charset="0"/>
+                <a:cs typeface="Times New Roman" panose="02020603050405020304" pitchFamily="18" charset="0"/>
+              </a:rPr>
+              <a:t>động</a:t>
+            </a:r>
+            <a:r>
+              <a:rPr lang="en-US" sz="2000" dirty="0">
+                <a:latin typeface="Segoe UI Black" panose="020B0A02040204020203" pitchFamily="34" charset="0"/>
+                <a:cs typeface="Times New Roman" panose="02020603050405020304" pitchFamily="18" charset="0"/>
+              </a:rPr>
+              <a:t> </a:t>
+            </a:r>
+            <a:r>
+              <a:rPr lang="en-US" sz="2000" dirty="0" err="1">
+                <a:latin typeface="Segoe UI Black" panose="020B0A02040204020203" pitchFamily="34" charset="0"/>
+                <a:cs typeface="Times New Roman" panose="02020603050405020304" pitchFamily="18" charset="0"/>
+              </a:rPr>
+              <a:t>dựa</a:t>
+            </a:r>
+            <a:r>
+              <a:rPr lang="en-US" sz="2000" dirty="0">
+                <a:latin typeface="Segoe UI Black" panose="020B0A02040204020203" pitchFamily="34" charset="0"/>
+                <a:cs typeface="Times New Roman" panose="02020603050405020304" pitchFamily="18" charset="0"/>
+              </a:rPr>
+              <a:t> </a:t>
+            </a:r>
+            <a:r>
+              <a:rPr lang="en-US" sz="2000" dirty="0" err="1">
+                <a:latin typeface="Segoe UI Black" panose="020B0A02040204020203" pitchFamily="34" charset="0"/>
+                <a:cs typeface="Times New Roman" panose="02020603050405020304" pitchFamily="18" charset="0"/>
+              </a:rPr>
+              <a:t>trên</a:t>
+            </a:r>
+            <a:r>
+              <a:rPr lang="en-US" sz="2000" dirty="0">
+                <a:latin typeface="Segoe UI Black" panose="020B0A02040204020203" pitchFamily="34" charset="0"/>
+                <a:cs typeface="Times New Roman" panose="02020603050405020304" pitchFamily="18" charset="0"/>
+              </a:rPr>
+              <a:t> </a:t>
+            </a:r>
+            <a:r>
+              <a:rPr lang="en-US" sz="2000" dirty="0" err="1">
+                <a:latin typeface="Segoe UI Black" panose="020B0A02040204020203" pitchFamily="34" charset="0"/>
+                <a:cs typeface="Times New Roman" panose="02020603050405020304" pitchFamily="18" charset="0"/>
+              </a:rPr>
+              <a:t>nguyên</a:t>
+            </a:r>
+            <a:r>
+              <a:rPr lang="en-US" sz="2000" dirty="0">
+                <a:latin typeface="Segoe UI Black" panose="020B0A02040204020203" pitchFamily="34" charset="0"/>
+                <a:cs typeface="Times New Roman" panose="02020603050405020304" pitchFamily="18" charset="0"/>
+              </a:rPr>
+              <a:t> </a:t>
+            </a:r>
+            <a:r>
+              <a:rPr lang="en-US" sz="2000" dirty="0" err="1">
+                <a:latin typeface="Segoe UI Black" panose="020B0A02040204020203" pitchFamily="34" charset="0"/>
+                <a:cs typeface="Times New Roman" panose="02020603050405020304" pitchFamily="18" charset="0"/>
+              </a:rPr>
+              <a:t>lý</a:t>
+            </a:r>
+            <a:r>
+              <a:rPr lang="en-US" sz="2000" dirty="0">
+                <a:latin typeface="Segoe UI Black" panose="020B0A02040204020203" pitchFamily="34" charset="0"/>
+                <a:cs typeface="Times New Roman" panose="02020603050405020304" pitchFamily="18" charset="0"/>
+              </a:rPr>
+              <a:t> master – slave (</a:t>
+            </a:r>
+            <a:r>
+              <a:rPr lang="en-US" sz="2000" dirty="0" err="1">
+                <a:latin typeface="Segoe UI Black" panose="020B0A02040204020203" pitchFamily="34" charset="0"/>
+                <a:cs typeface="Times New Roman" panose="02020603050405020304" pitchFamily="18" charset="0"/>
+              </a:rPr>
+              <a:t>chủ</a:t>
+            </a:r>
+            <a:r>
+              <a:rPr lang="en-US" sz="2000" dirty="0">
+                <a:latin typeface="Segoe UI Black" panose="020B0A02040204020203" pitchFamily="34" charset="0"/>
+                <a:cs typeface="Times New Roman" panose="02020603050405020304" pitchFamily="18" charset="0"/>
+              </a:rPr>
+              <a:t> – </a:t>
+            </a:r>
+            <a:r>
+              <a:rPr lang="en-US" sz="2000" dirty="0" err="1">
+                <a:latin typeface="Segoe UI Black" panose="020B0A02040204020203" pitchFamily="34" charset="0"/>
+                <a:cs typeface="Times New Roman" panose="02020603050405020304" pitchFamily="18" charset="0"/>
+              </a:rPr>
+              <a:t>tớ</a:t>
+            </a:r>
+            <a:r>
+              <a:rPr lang="en-US" sz="2000" dirty="0">
+                <a:latin typeface="Segoe UI Black" panose="020B0A02040204020203" pitchFamily="34" charset="0"/>
+                <a:cs typeface="Times New Roman" panose="02020603050405020304" pitchFamily="18" charset="0"/>
+              </a:rPr>
+              <a:t>). </a:t>
+            </a:r>
+            <a:r>
+              <a:rPr lang="en-US" sz="2000" dirty="0" err="1">
+                <a:latin typeface="Segoe UI Black" panose="020B0A02040204020203" pitchFamily="34" charset="0"/>
+                <a:cs typeface="Times New Roman" panose="02020603050405020304" pitchFamily="18" charset="0"/>
+              </a:rPr>
+              <a:t>Trong</a:t>
+            </a:r>
+            <a:r>
+              <a:rPr lang="en-US" sz="2000" dirty="0">
+                <a:latin typeface="Segoe UI Black" panose="020B0A02040204020203" pitchFamily="34" charset="0"/>
+                <a:cs typeface="Times New Roman" panose="02020603050405020304" pitchFamily="18" charset="0"/>
+              </a:rPr>
+              <a:t> </a:t>
+            </a:r>
+            <a:r>
+              <a:rPr lang="en-US" sz="2000" dirty="0" err="1">
+                <a:latin typeface="Segoe UI Black" panose="020B0A02040204020203" pitchFamily="34" charset="0"/>
+                <a:cs typeface="Times New Roman" panose="02020603050405020304" pitchFamily="18" charset="0"/>
+              </a:rPr>
+              <a:t>đó</a:t>
+            </a:r>
+            <a:r>
+              <a:rPr lang="en-US" sz="2000" dirty="0">
+                <a:latin typeface="Segoe UI Black" panose="020B0A02040204020203" pitchFamily="34" charset="0"/>
+                <a:cs typeface="Times New Roman" panose="02020603050405020304" pitchFamily="18" charset="0"/>
+              </a:rPr>
+              <a:t> </a:t>
+            </a:r>
+            <a:r>
+              <a:rPr lang="en-US" sz="2000" dirty="0" err="1">
+                <a:latin typeface="Segoe UI Black" panose="020B0A02040204020203" pitchFamily="34" charset="0"/>
+                <a:cs typeface="Times New Roman" panose="02020603050405020304" pitchFamily="18" charset="0"/>
+              </a:rPr>
+              <a:t>sẽ</a:t>
+            </a:r>
+            <a:r>
+              <a:rPr lang="en-US" sz="2000" dirty="0">
+                <a:latin typeface="Segoe UI Black" panose="020B0A02040204020203" pitchFamily="34" charset="0"/>
+                <a:cs typeface="Times New Roman" panose="02020603050405020304" pitchFamily="18" charset="0"/>
+              </a:rPr>
+              <a:t> </a:t>
+            </a:r>
+            <a:r>
+              <a:rPr lang="en-US" sz="2000" dirty="0" err="1">
+                <a:latin typeface="Segoe UI Black" panose="020B0A02040204020203" pitchFamily="34" charset="0"/>
+                <a:cs typeface="Times New Roman" panose="02020603050405020304" pitchFamily="18" charset="0"/>
+              </a:rPr>
+              <a:t>có</a:t>
+            </a:r>
+            <a:r>
+              <a:rPr lang="en-US" sz="2000" dirty="0">
+                <a:latin typeface="Segoe UI Black" panose="020B0A02040204020203" pitchFamily="34" charset="0"/>
+                <a:cs typeface="Times New Roman" panose="02020603050405020304" pitchFamily="18" charset="0"/>
+              </a:rPr>
+              <a:t> </a:t>
+            </a:r>
+            <a:r>
+              <a:rPr lang="en-US" sz="2000" dirty="0" err="1">
+                <a:latin typeface="Segoe UI Black" panose="020B0A02040204020203" pitchFamily="34" charset="0"/>
+                <a:cs typeface="Times New Roman" panose="02020603050405020304" pitchFamily="18" charset="0"/>
+              </a:rPr>
+              <a:t>một</a:t>
+            </a:r>
+            <a:r>
+              <a:rPr lang="en-US" sz="2000" dirty="0">
+                <a:latin typeface="Segoe UI Black" panose="020B0A02040204020203" pitchFamily="34" charset="0"/>
+                <a:cs typeface="Times New Roman" panose="02020603050405020304" pitchFamily="18" charset="0"/>
+              </a:rPr>
+              <a:t> </a:t>
+            </a:r>
+            <a:r>
+              <a:rPr lang="en-US" sz="2000" dirty="0" err="1">
+                <a:latin typeface="Segoe UI Black" panose="020B0A02040204020203" pitchFamily="34" charset="0"/>
+                <a:cs typeface="Times New Roman" panose="02020603050405020304" pitchFamily="18" charset="0"/>
+              </a:rPr>
+              <a:t>thiết</a:t>
+            </a:r>
+            <a:r>
+              <a:rPr lang="en-US" sz="2000" dirty="0">
+                <a:latin typeface="Segoe UI Black" panose="020B0A02040204020203" pitchFamily="34" charset="0"/>
+                <a:cs typeface="Times New Roman" panose="02020603050405020304" pitchFamily="18" charset="0"/>
+              </a:rPr>
+              <a:t> </a:t>
+            </a:r>
+            <a:r>
+              <a:rPr lang="en-US" sz="2000" dirty="0" err="1">
+                <a:latin typeface="Segoe UI Black" panose="020B0A02040204020203" pitchFamily="34" charset="0"/>
+                <a:cs typeface="Times New Roman" panose="02020603050405020304" pitchFamily="18" charset="0"/>
+              </a:rPr>
+              <a:t>bị</a:t>
+            </a:r>
+            <a:r>
+              <a:rPr lang="en-US" sz="2000" dirty="0">
+                <a:latin typeface="Segoe UI Black" panose="020B0A02040204020203" pitchFamily="34" charset="0"/>
+                <a:cs typeface="Times New Roman" panose="02020603050405020304" pitchFamily="18" charset="0"/>
+              </a:rPr>
+              <a:t> </a:t>
+            </a:r>
+            <a:r>
+              <a:rPr lang="en-US" sz="2000" dirty="0" err="1">
+                <a:latin typeface="Segoe UI Black" panose="020B0A02040204020203" pitchFamily="34" charset="0"/>
+                <a:cs typeface="Times New Roman" panose="02020603050405020304" pitchFamily="18" charset="0"/>
+              </a:rPr>
+              <a:t>đóng</a:t>
+            </a:r>
+            <a:r>
+              <a:rPr lang="en-US" sz="2000" dirty="0">
+                <a:latin typeface="Segoe UI Black" panose="020B0A02040204020203" pitchFamily="34" charset="0"/>
+                <a:cs typeface="Times New Roman" panose="02020603050405020304" pitchFamily="18" charset="0"/>
+              </a:rPr>
+              <a:t> </a:t>
+            </a:r>
+            <a:r>
+              <a:rPr lang="en-US" sz="2000" dirty="0" err="1">
+                <a:latin typeface="Segoe UI Black" panose="020B0A02040204020203" pitchFamily="34" charset="0"/>
+                <a:cs typeface="Times New Roman" panose="02020603050405020304" pitchFamily="18" charset="0"/>
+              </a:rPr>
+              <a:t>vai</a:t>
+            </a:r>
+            <a:r>
+              <a:rPr lang="en-US" sz="2000" dirty="0">
+                <a:latin typeface="Segoe UI Black" panose="020B0A02040204020203" pitchFamily="34" charset="0"/>
+                <a:cs typeface="Times New Roman" panose="02020603050405020304" pitchFamily="18" charset="0"/>
+              </a:rPr>
+              <a:t> </a:t>
+            </a:r>
+            <a:r>
+              <a:rPr lang="en-US" sz="2000" dirty="0" err="1">
+                <a:latin typeface="Segoe UI Black" panose="020B0A02040204020203" pitchFamily="34" charset="0"/>
+                <a:cs typeface="Times New Roman" panose="02020603050405020304" pitchFamily="18" charset="0"/>
+              </a:rPr>
+              <a:t>trò</a:t>
+            </a:r>
+            <a:r>
+              <a:rPr lang="en-US" sz="2000" dirty="0">
+                <a:latin typeface="Segoe UI Black" panose="020B0A02040204020203" pitchFamily="34" charset="0"/>
+                <a:cs typeface="Times New Roman" panose="02020603050405020304" pitchFamily="18" charset="0"/>
+              </a:rPr>
+              <a:t> </a:t>
+            </a:r>
+            <a:r>
+              <a:rPr lang="en-US" sz="2000" dirty="0" err="1">
+                <a:latin typeface="Segoe UI Black" panose="020B0A02040204020203" pitchFamily="34" charset="0"/>
+                <a:cs typeface="Times New Roman" panose="02020603050405020304" pitchFamily="18" charset="0"/>
+              </a:rPr>
+              <a:t>là</a:t>
+            </a:r>
+            <a:r>
+              <a:rPr lang="en-US" sz="2000" dirty="0">
+                <a:latin typeface="Segoe UI Black" panose="020B0A02040204020203" pitchFamily="34" charset="0"/>
+                <a:cs typeface="Times New Roman" panose="02020603050405020304" pitchFamily="18" charset="0"/>
+              </a:rPr>
+              <a:t> master </a:t>
+            </a:r>
+            <a:r>
+              <a:rPr lang="en-US" sz="2000" dirty="0" err="1">
+                <a:latin typeface="Segoe UI Black" panose="020B0A02040204020203" pitchFamily="34" charset="0"/>
+                <a:cs typeface="Times New Roman" panose="02020603050405020304" pitchFamily="18" charset="0"/>
+              </a:rPr>
+              <a:t>và</a:t>
+            </a:r>
+            <a:r>
+              <a:rPr lang="en-US" sz="2000" dirty="0">
+                <a:latin typeface="Segoe UI Black" panose="020B0A02040204020203" pitchFamily="34" charset="0"/>
+                <a:cs typeface="Times New Roman" panose="02020603050405020304" pitchFamily="18" charset="0"/>
+              </a:rPr>
+              <a:t> </a:t>
+            </a:r>
+            <a:r>
+              <a:rPr lang="en-US" sz="2000" dirty="0" err="1">
+                <a:latin typeface="Segoe UI Black" panose="020B0A02040204020203" pitchFamily="34" charset="0"/>
+                <a:cs typeface="Times New Roman" panose="02020603050405020304" pitchFamily="18" charset="0"/>
+              </a:rPr>
+              <a:t>nhiều</a:t>
+            </a:r>
+            <a:r>
+              <a:rPr lang="en-US" sz="2000" dirty="0">
+                <a:latin typeface="Segoe UI Black" panose="020B0A02040204020203" pitchFamily="34" charset="0"/>
+                <a:cs typeface="Times New Roman" panose="02020603050405020304" pitchFamily="18" charset="0"/>
+              </a:rPr>
+              <a:t> </a:t>
+            </a:r>
+            <a:r>
+              <a:rPr lang="en-US" sz="2000" dirty="0" err="1">
+                <a:latin typeface="Segoe UI Black" panose="020B0A02040204020203" pitchFamily="34" charset="0"/>
+                <a:cs typeface="Times New Roman" panose="02020603050405020304" pitchFamily="18" charset="0"/>
+              </a:rPr>
+              <a:t>thiết</a:t>
+            </a:r>
+            <a:r>
+              <a:rPr lang="en-US" sz="2000" dirty="0">
+                <a:latin typeface="Segoe UI Black" panose="020B0A02040204020203" pitchFamily="34" charset="0"/>
+                <a:cs typeface="Times New Roman" panose="02020603050405020304" pitchFamily="18" charset="0"/>
+              </a:rPr>
+              <a:t> </a:t>
+            </a:r>
+            <a:r>
+              <a:rPr lang="en-US" sz="2000" dirty="0" err="1">
+                <a:latin typeface="Segoe UI Black" panose="020B0A02040204020203" pitchFamily="34" charset="0"/>
+                <a:cs typeface="Times New Roman" panose="02020603050405020304" pitchFamily="18" charset="0"/>
+              </a:rPr>
+              <a:t>bị</a:t>
+            </a:r>
+            <a:r>
+              <a:rPr lang="en-US" sz="2000" dirty="0">
+                <a:latin typeface="Segoe UI Black" panose="020B0A02040204020203" pitchFamily="34" charset="0"/>
+                <a:cs typeface="Times New Roman" panose="02020603050405020304" pitchFamily="18" charset="0"/>
+              </a:rPr>
+              <a:t> slave</a:t>
+            </a:r>
           </a:p>
           <a:p>
             <a:pPr marL="342900" indent="-342900">
@@ -4896,63 +5112,77 @@
               <a:buChar char="•"/>
             </a:pPr>
             <a:r>
-              <a:rPr lang="en-US" sz="2500" smtClean="0">
-                <a:latin typeface="Times New Roman" panose="02020603050405020304" pitchFamily="18" charset="0"/>
+              <a:rPr lang="en-US" sz="2000" dirty="0">
+                <a:latin typeface="Segoe UI Black" panose="020B0A02040204020203" pitchFamily="34" charset="0"/>
                 <a:cs typeface="Times New Roman" panose="02020603050405020304" pitchFamily="18" charset="0"/>
               </a:rPr>
               <a:t>Ư</a:t>
             </a:r>
             <a:r>
-              <a:rPr lang="vi-VN" sz="2500" smtClean="0">
-                <a:latin typeface="Times New Roman" panose="02020603050405020304" pitchFamily="18" charset="0"/>
-                <a:cs typeface="Times New Roman" panose="02020603050405020304" pitchFamily="18" charset="0"/>
-              </a:rPr>
-              <a:t>u </a:t>
-            </a:r>
-            <a:r>
-              <a:rPr lang="vi-VN" sz="2500">
-                <a:latin typeface="Times New Roman" panose="02020603050405020304" pitchFamily="18" charset="0"/>
-                <a:cs typeface="Times New Roman" panose="02020603050405020304" pitchFamily="18" charset="0"/>
-              </a:rPr>
-              <a:t>điểm là độ chính xác rất cao, không bị nhiễu khi truyền đi xa, có khả năng sửa </a:t>
-            </a:r>
-            <a:r>
-              <a:rPr lang="vi-VN" sz="2500" smtClean="0">
-                <a:latin typeface="Times New Roman" panose="02020603050405020304" pitchFamily="18" charset="0"/>
-                <a:cs typeface="Times New Roman" panose="02020603050405020304" pitchFamily="18" charset="0"/>
-              </a:rPr>
-              <a:t>lỗi</a:t>
-            </a:r>
-            <a:r>
-              <a:rPr lang="en-US" sz="2500" smtClean="0">
-                <a:latin typeface="Times New Roman" panose="02020603050405020304" pitchFamily="18" charset="0"/>
-                <a:cs typeface="Times New Roman" panose="02020603050405020304" pitchFamily="18" charset="0"/>
-              </a:rPr>
-              <a:t>, tiết </a:t>
-            </a:r>
-            <a:r>
-              <a:rPr lang="en-US" sz="2500">
-                <a:latin typeface="Times New Roman" panose="02020603050405020304" pitchFamily="18" charset="0"/>
-                <a:cs typeface="Times New Roman" panose="02020603050405020304" pitchFamily="18" charset="0"/>
-              </a:rPr>
-              <a:t>kiệm </a:t>
-            </a:r>
-            <a:r>
-              <a:rPr lang="en-US" sz="2500" smtClean="0">
-                <a:latin typeface="Times New Roman" panose="02020603050405020304" pitchFamily="18" charset="0"/>
-                <a:cs typeface="Times New Roman" panose="02020603050405020304" pitchFamily="18" charset="0"/>
-              </a:rPr>
-              <a:t>được chi </a:t>
-            </a:r>
-            <a:r>
-              <a:rPr lang="en-US" sz="2500">
-                <a:latin typeface="Times New Roman" panose="02020603050405020304" pitchFamily="18" charset="0"/>
+              <a:rPr lang="vi-VN" sz="2000" dirty="0">
+                <a:latin typeface="Segoe UI Black" panose="020B0A02040204020203" pitchFamily="34" charset="0"/>
+                <a:cs typeface="Times New Roman" panose="02020603050405020304" pitchFamily="18" charset="0"/>
+              </a:rPr>
+              <a:t>u điểm là độ chính xác rất cao, không bị nhiễu khi truyền đi xa, có khả năng sửa lỗi</a:t>
+            </a:r>
+            <a:r>
+              <a:rPr lang="en-US" sz="2000" dirty="0">
+                <a:latin typeface="Segoe UI Black" panose="020B0A02040204020203" pitchFamily="34" charset="0"/>
+                <a:cs typeface="Times New Roman" panose="02020603050405020304" pitchFamily="18" charset="0"/>
+              </a:rPr>
+              <a:t>, </a:t>
+            </a:r>
+            <a:r>
+              <a:rPr lang="en-US" sz="2000" dirty="0" err="1">
+                <a:latin typeface="Segoe UI Black" panose="020B0A02040204020203" pitchFamily="34" charset="0"/>
+                <a:cs typeface="Times New Roman" panose="02020603050405020304" pitchFamily="18" charset="0"/>
+              </a:rPr>
+              <a:t>tiết</a:t>
+            </a:r>
+            <a:r>
+              <a:rPr lang="en-US" sz="2000" dirty="0">
+                <a:latin typeface="Segoe UI Black" panose="020B0A02040204020203" pitchFamily="34" charset="0"/>
+                <a:cs typeface="Times New Roman" panose="02020603050405020304" pitchFamily="18" charset="0"/>
+              </a:rPr>
+              <a:t> </a:t>
+            </a:r>
+            <a:r>
+              <a:rPr lang="en-US" sz="2000" dirty="0" err="1">
+                <a:latin typeface="Segoe UI Black" panose="020B0A02040204020203" pitchFamily="34" charset="0"/>
+                <a:cs typeface="Times New Roman" panose="02020603050405020304" pitchFamily="18" charset="0"/>
+              </a:rPr>
+              <a:t>kiệm</a:t>
+            </a:r>
+            <a:r>
+              <a:rPr lang="en-US" sz="2000" dirty="0">
+                <a:latin typeface="Segoe UI Black" panose="020B0A02040204020203" pitchFamily="34" charset="0"/>
+                <a:cs typeface="Times New Roman" panose="02020603050405020304" pitchFamily="18" charset="0"/>
+              </a:rPr>
+              <a:t> </a:t>
+            </a:r>
+            <a:r>
+              <a:rPr lang="en-US" sz="2000" dirty="0" err="1">
+                <a:latin typeface="Segoe UI Black" panose="020B0A02040204020203" pitchFamily="34" charset="0"/>
+                <a:cs typeface="Times New Roman" panose="02020603050405020304" pitchFamily="18" charset="0"/>
+              </a:rPr>
+              <a:t>được</a:t>
+            </a:r>
+            <a:r>
+              <a:rPr lang="en-US" sz="2000" dirty="0">
+                <a:latin typeface="Segoe UI Black" panose="020B0A02040204020203" pitchFamily="34" charset="0"/>
+                <a:cs typeface="Times New Roman" panose="02020603050405020304" pitchFamily="18" charset="0"/>
+              </a:rPr>
+              <a:t> chi </a:t>
+            </a:r>
+            <a:r>
+              <a:rPr lang="en-US" sz="2000" dirty="0" err="1">
+                <a:latin typeface="Segoe UI Black" panose="020B0A02040204020203" pitchFamily="34" charset="0"/>
                 <a:cs typeface="Times New Roman" panose="02020603050405020304" pitchFamily="18" charset="0"/>
               </a:rPr>
               <a:t>phí</a:t>
             </a:r>
-            <a:endParaRPr lang="en-US" sz="2500" smtClean="0">
-              <a:latin typeface="Times New Roman" panose="02020603050405020304" pitchFamily="18" charset="0"/>
+            <a:endParaRPr lang="en-US" sz="2000" dirty="0">
+              <a:latin typeface="Segoe UI Black" panose="020B0A02040204020203" pitchFamily="34" charset="0"/>
               <a:cs typeface="Times New Roman" panose="02020603050405020304" pitchFamily="18" charset="0"/>
             </a:endParaRPr>
           </a:p>
@@ -4968,13 +5198,6 @@
   <p:clrMapOvr>
     <a:masterClrMapping/>
   </p:clrMapOvr>
-  <p:timing>
-    <p:tnLst>
-      <p:par>
-        <p:cTn id="1" dur="indefinite" restart="never" nodeType="tmRoot"/>
-      </p:par>
-    </p:tnLst>
-  </p:timing>
 </p:sld>
 </file>
 
@@ -5003,8 +5226,8 @@
         </p:nvSpPr>
         <p:spPr>
           <a:xfrm>
-            <a:off x="2927130" y="104993"/>
-            <a:ext cx="8135007" cy="861774"/>
+            <a:off x="2711470" y="598798"/>
+            <a:ext cx="8135007" cy="553998"/>
           </a:xfrm>
           <a:prstGeom prst="rect">
             <a:avLst/>
@@ -5018,20 +5241,80 @@
           <a:lstStyle/>
           <a:p>
             <a:r>
-              <a:rPr lang="en-US" sz="5000" b="1" smtClean="0">
+              <a:rPr lang="en-US" sz="3000" b="1" dirty="0" err="1">
                 <a:solidFill>
                   <a:srgbClr val="FF0000"/>
                 </a:solidFill>
-                <a:latin typeface="Times New Roman" panose="02020603050405020304" pitchFamily="18" charset="0"/>
-                <a:cs typeface="Times New Roman" panose="02020603050405020304" pitchFamily="18" charset="0"/>
-              </a:rPr>
-              <a:t>Chuẩn ModBus Thông Dụng</a:t>
-            </a:r>
-            <a:endParaRPr lang="en-US" sz="5000" b="1">
+                <a:latin typeface="Segoe UI Black" panose="020B0A02040204020203" pitchFamily="34" charset="0"/>
+                <a:cs typeface="Times New Roman" panose="02020603050405020304" pitchFamily="18" charset="0"/>
+              </a:rPr>
+              <a:t>Chuẩn</a:t>
+            </a:r>
+            <a:r>
+              <a:rPr lang="en-US" sz="3000" b="1" dirty="0">
+                <a:solidFill>
+                  <a:srgbClr val="FF0000"/>
+                </a:solidFill>
+                <a:latin typeface="Segoe UI Black" panose="020B0A02040204020203" pitchFamily="34" charset="0"/>
+                <a:cs typeface="Times New Roman" panose="02020603050405020304" pitchFamily="18" charset="0"/>
+              </a:rPr>
+              <a:t> </a:t>
+            </a:r>
+            <a:r>
+              <a:rPr lang="en-US" sz="3000" b="1" dirty="0" err="1">
+                <a:solidFill>
+                  <a:srgbClr val="FF0000"/>
+                </a:solidFill>
+                <a:latin typeface="Segoe UI Black" panose="020B0A02040204020203" pitchFamily="34" charset="0"/>
+                <a:cs typeface="Times New Roman" panose="02020603050405020304" pitchFamily="18" charset="0"/>
+              </a:rPr>
+              <a:t>ModBus</a:t>
+            </a:r>
+            <a:r>
+              <a:rPr lang="en-US" sz="3000" b="1" dirty="0">
+                <a:solidFill>
+                  <a:srgbClr val="FF0000"/>
+                </a:solidFill>
+                <a:latin typeface="Segoe UI Black" panose="020B0A02040204020203" pitchFamily="34" charset="0"/>
+                <a:cs typeface="Times New Roman" panose="02020603050405020304" pitchFamily="18" charset="0"/>
+              </a:rPr>
+              <a:t> </a:t>
+            </a:r>
+            <a:r>
+              <a:rPr lang="en-US" sz="3000" b="1" dirty="0" err="1">
+                <a:solidFill>
+                  <a:srgbClr val="FF0000"/>
+                </a:solidFill>
+                <a:latin typeface="Segoe UI Black" panose="020B0A02040204020203" pitchFamily="34" charset="0"/>
+                <a:cs typeface="Times New Roman" panose="02020603050405020304" pitchFamily="18" charset="0"/>
+              </a:rPr>
+              <a:t>Thông</a:t>
+            </a:r>
+            <a:r>
+              <a:rPr lang="en-US" sz="3000" b="1" dirty="0">
+                <a:solidFill>
+                  <a:srgbClr val="FF0000"/>
+                </a:solidFill>
+                <a:latin typeface="Segoe UI Black" panose="020B0A02040204020203" pitchFamily="34" charset="0"/>
+                <a:cs typeface="Times New Roman" panose="02020603050405020304" pitchFamily="18" charset="0"/>
+              </a:rPr>
+              <a:t> </a:t>
+            </a:r>
+            <a:r>
+              <a:rPr lang="en-US" sz="3000" b="1" dirty="0" err="1">
+                <a:solidFill>
+                  <a:srgbClr val="FF0000"/>
+                </a:solidFill>
+                <a:latin typeface="Segoe UI Black" panose="020B0A02040204020203" pitchFamily="34" charset="0"/>
+                <a:cs typeface="Times New Roman" panose="02020603050405020304" pitchFamily="18" charset="0"/>
+              </a:rPr>
+              <a:t>Dụng</a:t>
+            </a:r>
+            <a:endParaRPr lang="en-US" sz="3000" b="1" dirty="0">
               <a:solidFill>
                 <a:srgbClr val="FF0000"/>
               </a:solidFill>
-              <a:latin typeface="Times New Roman" panose="02020603050405020304" pitchFamily="18" charset="0"/>
+              <a:latin typeface="Segoe UI Black" panose="020B0A02040204020203" pitchFamily="34" charset="0"/>
               <a:cs typeface="Times New Roman" panose="02020603050405020304" pitchFamily="18" charset="0"/>
             </a:endParaRPr>
           </a:p>
@@ -5046,7 +5329,7 @@
         <p:spPr>
           <a:xfrm>
             <a:off x="1975945" y="4320881"/>
-            <a:ext cx="10037378" cy="2400657"/>
+            <a:ext cx="10037378" cy="2806602"/>
           </a:xfrm>
           <a:prstGeom prst="rect">
             <a:avLst/>
@@ -5065,98 +5348,84 @@
               </a:lnSpc>
             </a:pPr>
             <a:r>
-              <a:rPr lang="vi-VN" sz="2000" smtClean="0">
-                <a:latin typeface="Times New Roman" panose="02020603050405020304" pitchFamily="18" charset="0"/>
-                <a:cs typeface="Times New Roman" panose="02020603050405020304" pitchFamily="18" charset="0"/>
-              </a:rPr>
-              <a:t>Dữ </a:t>
-            </a:r>
-            <a:r>
-              <a:rPr lang="vi-VN" sz="2000">
-                <a:latin typeface="Times New Roman" panose="02020603050405020304" pitchFamily="18" charset="0"/>
-                <a:cs typeface="Times New Roman" panose="02020603050405020304" pitchFamily="18" charset="0"/>
-              </a:rPr>
-              <a:t>liệu được mã hóa theo hệ nhị phân, và chỉ cần một byte truyền thông cho một byte dữ liệu. Đây là thiết bị lí tưởng đối với </a:t>
-            </a:r>
-            <a:r>
-              <a:rPr lang="vi-VN" sz="2000" smtClean="0">
-                <a:latin typeface="Times New Roman" panose="02020603050405020304" pitchFamily="18" charset="0"/>
-                <a:cs typeface="Times New Roman" panose="02020603050405020304" pitchFamily="18" charset="0"/>
-              </a:rPr>
-              <a:t>RS232 </a:t>
-            </a:r>
-            <a:r>
-              <a:rPr lang="vi-VN" sz="2000">
-                <a:latin typeface="Times New Roman" panose="02020603050405020304" pitchFamily="18" charset="0"/>
-                <a:cs typeface="Times New Roman" panose="02020603050405020304" pitchFamily="18" charset="0"/>
-              </a:rPr>
-              <a:t>hay mạng RS485 đa </a:t>
-            </a:r>
-            <a:r>
-              <a:rPr lang="vi-VN" sz="2000" smtClean="0">
-                <a:latin typeface="Times New Roman" panose="02020603050405020304" pitchFamily="18" charset="0"/>
-                <a:cs typeface="Times New Roman" panose="02020603050405020304" pitchFamily="18" charset="0"/>
-              </a:rPr>
-              <a:t>điểm</a:t>
-            </a:r>
-            <a:r>
-              <a:rPr lang="en-US" sz="2000">
-                <a:latin typeface="Times New Roman" panose="02020603050405020304" pitchFamily="18" charset="0"/>
-                <a:cs typeface="Times New Roman" panose="02020603050405020304" pitchFamily="18" charset="0"/>
-              </a:rPr>
-              <a:t> tốc độ từ 1200 baud đến 19200 </a:t>
-            </a:r>
-            <a:r>
-              <a:rPr lang="en-US" sz="2000" smtClean="0">
-                <a:latin typeface="Times New Roman" panose="02020603050405020304" pitchFamily="18" charset="0"/>
-                <a:cs typeface="Times New Roman" panose="02020603050405020304" pitchFamily="18" charset="0"/>
-              </a:rPr>
-              <a:t>baud</a:t>
-            </a:r>
-            <a:r>
-              <a:rPr lang="en-US" sz="2000">
-                <a:latin typeface="Times New Roman" panose="02020603050405020304" pitchFamily="18" charset="0"/>
-                <a:cs typeface="Times New Roman" panose="02020603050405020304" pitchFamily="18" charset="0"/>
-              </a:rPr>
-              <a:t>,</a:t>
-            </a:r>
-            <a:r>
-              <a:rPr lang="en-US" sz="2000" smtClean="0">
-                <a:latin typeface="Times New Roman" panose="02020603050405020304" pitchFamily="18" charset="0"/>
-                <a:cs typeface="Times New Roman" panose="02020603050405020304" pitchFamily="18" charset="0"/>
-              </a:rPr>
-              <a:t> t</a:t>
-            </a:r>
-            <a:r>
-              <a:rPr lang="vi-VN" sz="2000" smtClean="0">
-                <a:latin typeface="Times New Roman" panose="02020603050405020304" pitchFamily="18" charset="0"/>
-                <a:cs typeface="Times New Roman" panose="02020603050405020304" pitchFamily="18" charset="0"/>
-              </a:rPr>
-              <a:t>ốc </a:t>
-            </a:r>
-            <a:r>
-              <a:rPr lang="vi-VN" sz="2000">
-                <a:latin typeface="Times New Roman" panose="02020603050405020304" pitchFamily="18" charset="0"/>
-                <a:cs typeface="Times New Roman" panose="02020603050405020304" pitchFamily="18" charset="0"/>
-              </a:rPr>
-              <a:t>độ phổ biến nhất là </a:t>
-            </a:r>
-            <a:r>
-              <a:rPr lang="vi-VN" sz="2000" smtClean="0">
-                <a:latin typeface="Times New Roman" panose="02020603050405020304" pitchFamily="18" charset="0"/>
-                <a:cs typeface="Times New Roman" panose="02020603050405020304" pitchFamily="18" charset="0"/>
-              </a:rPr>
-              <a:t>9600. </a:t>
-            </a:r>
-            <a:r>
-              <a:rPr lang="vi-VN" sz="2000">
-                <a:latin typeface="Times New Roman" panose="02020603050405020304" pitchFamily="18" charset="0"/>
-                <a:cs typeface="Times New Roman" panose="02020603050405020304" pitchFamily="18" charset="0"/>
-              </a:rPr>
-              <a:t>Chuẩn này được sử dụng phổ biến nhất trong công nghiệp như ứng dụng: BMS, điện lực…. Một bản tin trong Modbus RTU gồm: 1 byte địa chỉ; 1 byte mã hàm; n byte dữ liệu; 2 byte CRC</a:t>
-            </a:r>
-            <a:endParaRPr lang="en-US" sz="2000" smtClean="0">
-              <a:latin typeface="Times New Roman" panose="02020603050405020304" pitchFamily="18" charset="0"/>
+              <a:rPr lang="vi-VN" sz="2000" dirty="0">
+                <a:latin typeface="Segoe UI Black" panose="020B0A02040204020203" pitchFamily="34" charset="0"/>
+                <a:cs typeface="Times New Roman" panose="02020603050405020304" pitchFamily="18" charset="0"/>
+              </a:rPr>
+              <a:t>Dữ liệu được mã hóa theo hệ nhị phân, và chỉ cần một byte truyền thông cho một byte dữ liệu. Đây là thiết bị lí tưởng đối với RS232 hay mạng RS485 đa điểm</a:t>
+            </a:r>
+            <a:r>
+              <a:rPr lang="en-US" sz="2000" dirty="0">
+                <a:latin typeface="Segoe UI Black" panose="020B0A02040204020203" pitchFamily="34" charset="0"/>
+                <a:cs typeface="Times New Roman" panose="02020603050405020304" pitchFamily="18" charset="0"/>
+              </a:rPr>
+              <a:t> </a:t>
+            </a:r>
+            <a:r>
+              <a:rPr lang="en-US" sz="2000" dirty="0" err="1">
+                <a:latin typeface="Segoe UI Black" panose="020B0A02040204020203" pitchFamily="34" charset="0"/>
+                <a:cs typeface="Times New Roman" panose="02020603050405020304" pitchFamily="18" charset="0"/>
+              </a:rPr>
+              <a:t>tốc</a:t>
+            </a:r>
+            <a:r>
+              <a:rPr lang="en-US" sz="2000" dirty="0">
+                <a:latin typeface="Segoe UI Black" panose="020B0A02040204020203" pitchFamily="34" charset="0"/>
+                <a:cs typeface="Times New Roman" panose="02020603050405020304" pitchFamily="18" charset="0"/>
+              </a:rPr>
+              <a:t> </a:t>
+            </a:r>
+            <a:r>
+              <a:rPr lang="en-US" sz="2000" dirty="0" err="1">
+                <a:latin typeface="Segoe UI Black" panose="020B0A02040204020203" pitchFamily="34" charset="0"/>
+                <a:cs typeface="Times New Roman" panose="02020603050405020304" pitchFamily="18" charset="0"/>
+              </a:rPr>
+              <a:t>độ</a:t>
+            </a:r>
+            <a:r>
+              <a:rPr lang="en-US" sz="2000" dirty="0">
+                <a:latin typeface="Segoe UI Black" panose="020B0A02040204020203" pitchFamily="34" charset="0"/>
+                <a:cs typeface="Times New Roman" panose="02020603050405020304" pitchFamily="18" charset="0"/>
+              </a:rPr>
+              <a:t> </a:t>
+            </a:r>
+            <a:r>
+              <a:rPr lang="en-US" sz="2000" dirty="0" err="1">
+                <a:latin typeface="Segoe UI Black" panose="020B0A02040204020203" pitchFamily="34" charset="0"/>
+                <a:cs typeface="Times New Roman" panose="02020603050405020304" pitchFamily="18" charset="0"/>
+              </a:rPr>
+              <a:t>từ</a:t>
+            </a:r>
+            <a:r>
+              <a:rPr lang="en-US" sz="2000" dirty="0">
+                <a:latin typeface="Segoe UI Black" panose="020B0A02040204020203" pitchFamily="34" charset="0"/>
+                <a:cs typeface="Times New Roman" panose="02020603050405020304" pitchFamily="18" charset="0"/>
+              </a:rPr>
+              <a:t> 1200 baud </a:t>
+            </a:r>
+            <a:r>
+              <a:rPr lang="en-US" sz="2000" dirty="0" err="1">
+                <a:latin typeface="Segoe UI Black" panose="020B0A02040204020203" pitchFamily="34" charset="0"/>
+                <a:cs typeface="Times New Roman" panose="02020603050405020304" pitchFamily="18" charset="0"/>
+              </a:rPr>
+              <a:t>đến</a:t>
+            </a:r>
+            <a:r>
+              <a:rPr lang="en-US" sz="2000" dirty="0">
+                <a:latin typeface="Segoe UI Black" panose="020B0A02040204020203" pitchFamily="34" charset="0"/>
+                <a:cs typeface="Times New Roman" panose="02020603050405020304" pitchFamily="18" charset="0"/>
+              </a:rPr>
+              <a:t> 19200 baud, t</a:t>
+            </a:r>
+            <a:r>
+              <a:rPr lang="vi-VN" sz="2000" dirty="0">
+                <a:latin typeface="Segoe UI Black" panose="020B0A02040204020203" pitchFamily="34" charset="0"/>
+                <a:cs typeface="Times New Roman" panose="02020603050405020304" pitchFamily="18" charset="0"/>
+              </a:rPr>
+              <a:t>ốc độ phổ biến nhất là 9600. Chuẩn này được sử dụng phổ biến nhất trong công nghiệp như ứng dụng: BMS, điện lực…. Một bản tin trong Modbus RTU gồm: 1 byte địa chỉ; 1 byte mã hàm; n byte dữ liệu; 2 byte CRC</a:t>
+            </a:r>
+            <a:endParaRPr lang="en-US" sz="2000" dirty="0">
+              <a:latin typeface="Segoe UI Black" panose="020B0A02040204020203" pitchFamily="34" charset="0"/>
               <a:cs typeface="Times New Roman" panose="02020603050405020304" pitchFamily="18" charset="0"/>
             </a:endParaRPr>
           </a:p>
@@ -5194,8 +5463,8 @@
         </p:nvSpPr>
         <p:spPr>
           <a:xfrm>
-            <a:off x="2113009" y="1082381"/>
-            <a:ext cx="2196662" cy="477054"/>
+            <a:off x="2061250" y="2106232"/>
+            <a:ext cx="2196662" cy="861774"/>
           </a:xfrm>
           <a:prstGeom prst="rect">
             <a:avLst/>
@@ -5216,14 +5485,14 @@
           <a:lstStyle/>
           <a:p>
             <a:r>
-              <a:rPr lang="vi-VN" sz="2500" b="1">
-                <a:latin typeface="Times New Roman" panose="02020603050405020304" pitchFamily="18" charset="0"/>
+              <a:rPr lang="vi-VN" sz="2500" b="1" dirty="0">
+                <a:latin typeface="Segoe UI Black" panose="020B0A02040204020203" pitchFamily="34" charset="0"/>
                 <a:cs typeface="Times New Roman" panose="02020603050405020304" pitchFamily="18" charset="0"/>
               </a:rPr>
               <a:t>Modbus RTU: </a:t>
             </a:r>
-            <a:endParaRPr lang="en-US" sz="2500" b="1">
-              <a:latin typeface="Times New Roman" panose="02020603050405020304" pitchFamily="18" charset="0"/>
+            <a:endParaRPr lang="en-US" sz="2500" b="1" dirty="0">
+              <a:latin typeface="Segoe UI Black" panose="020B0A02040204020203" pitchFamily="34" charset="0"/>
               <a:cs typeface="Times New Roman" panose="02020603050405020304" pitchFamily="18" charset="0"/>
             </a:endParaRPr>
           </a:p>
@@ -5239,13 +5508,6 @@
   <p:clrMapOvr>
     <a:masterClrMapping/>
   </p:clrMapOvr>
-  <p:timing>
-    <p:tnLst>
-      <p:par>
-        <p:cTn id="1" dur="indefinite" restart="never" nodeType="tmRoot"/>
-      </p:par>
-    </p:tnLst>
-  </p:timing>
 </p:sld>
 </file>
 
@@ -5274,8 +5536,8 @@
         </p:nvSpPr>
         <p:spPr>
           <a:xfrm>
-            <a:off x="2648605" y="98015"/>
-            <a:ext cx="8092965" cy="861774"/>
+            <a:off x="1933904" y="897968"/>
+            <a:ext cx="8092965" cy="553998"/>
           </a:xfrm>
           <a:prstGeom prst="rect">
             <a:avLst/>
@@ -5289,20 +5551,80 @@
           <a:lstStyle/>
           <a:p>
             <a:r>
-              <a:rPr lang="en-US" sz="5000" b="1" smtClean="0">
+              <a:rPr lang="en-US" sz="3000" b="1" dirty="0" err="1">
                 <a:solidFill>
                   <a:srgbClr val="FF0000"/>
                 </a:solidFill>
-                <a:latin typeface="Times New Roman" panose="02020603050405020304" pitchFamily="18" charset="0"/>
-                <a:cs typeface="Times New Roman" panose="02020603050405020304" pitchFamily="18" charset="0"/>
-              </a:rPr>
-              <a:t>Chuẩn ModBus Thông Dụng</a:t>
-            </a:r>
-            <a:endParaRPr lang="en-US" sz="5000" b="1">
+                <a:latin typeface="Segoe UI Black" panose="020B0A02040204020203" pitchFamily="34" charset="0"/>
+                <a:cs typeface="Times New Roman" panose="02020603050405020304" pitchFamily="18" charset="0"/>
+              </a:rPr>
+              <a:t>Chuẩn</a:t>
+            </a:r>
+            <a:r>
+              <a:rPr lang="en-US" sz="3000" b="1" dirty="0">
+                <a:solidFill>
+                  <a:srgbClr val="FF0000"/>
+                </a:solidFill>
+                <a:latin typeface="Segoe UI Black" panose="020B0A02040204020203" pitchFamily="34" charset="0"/>
+                <a:cs typeface="Times New Roman" panose="02020603050405020304" pitchFamily="18" charset="0"/>
+              </a:rPr>
+              <a:t> </a:t>
+            </a:r>
+            <a:r>
+              <a:rPr lang="en-US" sz="3000" b="1" dirty="0" err="1">
+                <a:solidFill>
+                  <a:srgbClr val="FF0000"/>
+                </a:solidFill>
+                <a:latin typeface="Segoe UI Black" panose="020B0A02040204020203" pitchFamily="34" charset="0"/>
+                <a:cs typeface="Times New Roman" panose="02020603050405020304" pitchFamily="18" charset="0"/>
+              </a:rPr>
+              <a:t>ModBus</a:t>
+            </a:r>
+            <a:r>
+              <a:rPr lang="en-US" sz="3000" b="1" dirty="0">
+                <a:solidFill>
+                  <a:srgbClr val="FF0000"/>
+                </a:solidFill>
+                <a:latin typeface="Segoe UI Black" panose="020B0A02040204020203" pitchFamily="34" charset="0"/>
+                <a:cs typeface="Times New Roman" panose="02020603050405020304" pitchFamily="18" charset="0"/>
+              </a:rPr>
+              <a:t> </a:t>
+            </a:r>
+            <a:r>
+              <a:rPr lang="en-US" sz="3000" b="1" dirty="0" err="1">
+                <a:solidFill>
+                  <a:srgbClr val="FF0000"/>
+                </a:solidFill>
+                <a:latin typeface="Segoe UI Black" panose="020B0A02040204020203" pitchFamily="34" charset="0"/>
+                <a:cs typeface="Times New Roman" panose="02020603050405020304" pitchFamily="18" charset="0"/>
+              </a:rPr>
+              <a:t>Thông</a:t>
+            </a:r>
+            <a:r>
+              <a:rPr lang="en-US" sz="3000" b="1" dirty="0">
+                <a:solidFill>
+                  <a:srgbClr val="FF0000"/>
+                </a:solidFill>
+                <a:latin typeface="Segoe UI Black" panose="020B0A02040204020203" pitchFamily="34" charset="0"/>
+                <a:cs typeface="Times New Roman" panose="02020603050405020304" pitchFamily="18" charset="0"/>
+              </a:rPr>
+              <a:t> </a:t>
+            </a:r>
+            <a:r>
+              <a:rPr lang="en-US" sz="3000" b="1" dirty="0" err="1">
+                <a:solidFill>
+                  <a:srgbClr val="FF0000"/>
+                </a:solidFill>
+                <a:latin typeface="Segoe UI Black" panose="020B0A02040204020203" pitchFamily="34" charset="0"/>
+                <a:cs typeface="Times New Roman" panose="02020603050405020304" pitchFamily="18" charset="0"/>
+              </a:rPr>
+              <a:t>Dụng</a:t>
+            </a:r>
+            <a:endParaRPr lang="en-US" sz="3000" b="1" dirty="0">
               <a:solidFill>
                 <a:srgbClr val="FF0000"/>
               </a:solidFill>
-              <a:latin typeface="Times New Roman" panose="02020603050405020304" pitchFamily="18" charset="0"/>
+              <a:latin typeface="Segoe UI Black" panose="020B0A02040204020203" pitchFamily="34" charset="0"/>
               <a:cs typeface="Times New Roman" panose="02020603050405020304" pitchFamily="18" charset="0"/>
             </a:endParaRPr>
           </a:p>
@@ -5317,7 +5639,7 @@
         <p:spPr>
           <a:xfrm>
             <a:off x="1933904" y="3274793"/>
-            <a:ext cx="10037378" cy="3323987"/>
+            <a:ext cx="10037378" cy="4189993"/>
           </a:xfrm>
           <a:prstGeom prst="rect">
             <a:avLst/>
@@ -5336,81 +5658,25 @@
               </a:lnSpc>
             </a:pPr>
             <a:r>
-              <a:rPr lang="vi-VN" sz="2000" smtClean="0">
-                <a:latin typeface="Times New Roman" panose="02020603050405020304" pitchFamily="18" charset="0"/>
-                <a:cs typeface="Times New Roman" panose="02020603050405020304" pitchFamily="18" charset="0"/>
-              </a:rPr>
-              <a:t>Mọi </a:t>
-            </a:r>
-            <a:r>
-              <a:rPr lang="vi-VN" sz="2000">
-                <a:latin typeface="Times New Roman" panose="02020603050405020304" pitchFamily="18" charset="0"/>
-                <a:cs typeface="Times New Roman" panose="02020603050405020304" pitchFamily="18" charset="0"/>
-              </a:rPr>
-              <a:t>thông điệp được mã hóa bằng </a:t>
-            </a:r>
-            <a:r>
-              <a:rPr lang="vi-VN" sz="2000" smtClean="0">
-                <a:latin typeface="Times New Roman" panose="02020603050405020304" pitchFamily="18" charset="0"/>
-                <a:cs typeface="Times New Roman" panose="02020603050405020304" pitchFamily="18" charset="0"/>
-              </a:rPr>
-              <a:t>hexadecimal</a:t>
-            </a:r>
-            <a:r>
-              <a:rPr lang="vi-VN" sz="2000">
-                <a:latin typeface="Times New Roman" panose="02020603050405020304" pitchFamily="18" charset="0"/>
-                <a:cs typeface="Times New Roman" panose="02020603050405020304" pitchFamily="18" charset="0"/>
-              </a:rPr>
-              <a:t>, sử dụng đặc tính ASCII 4 bit. Đối với mỗi một byte thông tin, cần có 2 byte truyền thông, gấp đôi so với MODBUS RTU hay MODBUS/TCP. Tuy nhiên, MODBUS </a:t>
-            </a:r>
-            <a:r>
-              <a:rPr lang="vi-VN" sz="2000" smtClean="0">
-                <a:latin typeface="Times New Roman" panose="02020603050405020304" pitchFamily="18" charset="0"/>
-                <a:cs typeface="Times New Roman" panose="02020603050405020304" pitchFamily="18" charset="0"/>
-              </a:rPr>
-              <a:t>ASCII </a:t>
-            </a:r>
-            <a:r>
-              <a:rPr lang="vi-VN" sz="2000">
-                <a:latin typeface="Times New Roman" panose="02020603050405020304" pitchFamily="18" charset="0"/>
-                <a:cs typeface="Times New Roman" panose="02020603050405020304" pitchFamily="18" charset="0"/>
-              </a:rPr>
-              <a:t>chậm nhất trong số 3 loại protocol, nhưng lại thích hợp khi modem điện thoại hay kết nối sử dụng sóng radio do </a:t>
-            </a:r>
-            <a:r>
-              <a:rPr lang="vi-VN" sz="2000" smtClean="0">
-                <a:latin typeface="Times New Roman" panose="02020603050405020304" pitchFamily="18" charset="0"/>
-                <a:cs typeface="Times New Roman" panose="02020603050405020304" pitchFamily="18" charset="0"/>
-              </a:rPr>
-              <a:t>ASCII </a:t>
-            </a:r>
-            <a:r>
-              <a:rPr lang="vi-VN" sz="2000">
-                <a:latin typeface="Times New Roman" panose="02020603050405020304" pitchFamily="18" charset="0"/>
-                <a:cs typeface="Times New Roman" panose="02020603050405020304" pitchFamily="18" charset="0"/>
-              </a:rPr>
-              <a:t>sử dụng các tính năng phân định thông điệp. Do tính năng phân định này, mọi rắc rối trong phương tiện truyền dẫn sẽ không làm thiết bị nhận </a:t>
-            </a:r>
-            <a:r>
-              <a:rPr lang="en-US" sz="2000">
-                <a:latin typeface="Times New Roman" panose="02020603050405020304" pitchFamily="18" charset="0"/>
+              <a:rPr lang="vi-VN" sz="2000" dirty="0">
+                <a:latin typeface="Segoe UI Black" panose="020B0A02040204020203" pitchFamily="34" charset="0"/>
+                <a:cs typeface="Times New Roman" panose="02020603050405020304" pitchFamily="18" charset="0"/>
+              </a:rPr>
+              <a:t>Mọi thông điệp được mã hóa bằng hexadecimal, sử dụng đặc tính ASCII 4 bit. Đối với mỗi một byte thông tin, cần có 2 byte truyền thông, gấp đôi so với MODBUS RTU hay MODBUS/TCP. Tuy nhiên, MODBUS ASCII chậm nhất trong số 3 loại protocol, nhưng lại thích hợp khi modem điện thoại hay kết nối sử dụng sóng radio do ASCII sử dụng các tính năng phân định thông điệp. Do tính năng phân định này, mọi rắc rối trong phương tiện truyền dẫn sẽ không làm thiết bị nhận </a:t>
+            </a:r>
+            <a:r>
+              <a:rPr lang="en-US" sz="2000" dirty="0">
+                <a:latin typeface="Segoe UI Black" panose="020B0A02040204020203" pitchFamily="34" charset="0"/>
                 <a:cs typeface="Times New Roman" panose="02020603050405020304" pitchFamily="18" charset="0"/>
               </a:rPr>
               <a:t>đ</a:t>
             </a:r>
             <a:r>
-              <a:rPr lang="vi-VN" sz="2000" smtClean="0">
-                <a:latin typeface="Times New Roman" panose="02020603050405020304" pitchFamily="18" charset="0"/>
-                <a:cs typeface="Times New Roman" panose="02020603050405020304" pitchFamily="18" charset="0"/>
-              </a:rPr>
-              <a:t>ịch </a:t>
-            </a:r>
-            <a:r>
-              <a:rPr lang="vi-VN" sz="2000">
-                <a:latin typeface="Times New Roman" panose="02020603050405020304" pitchFamily="18" charset="0"/>
-                <a:cs typeface="Times New Roman" panose="02020603050405020304" pitchFamily="18" charset="0"/>
-              </a:rPr>
-              <a:t>sai thông tin. Điều này quan trọng khi đề cập đến các modem chậm, điện thoại di động, kết nối ồn hay các phương tiện truyền thông khó tính khác.</a:t>
+              <a:rPr lang="vi-VN" sz="2000" dirty="0">
+                <a:latin typeface="Segoe UI Black" panose="020B0A02040204020203" pitchFamily="34" charset="0"/>
+                <a:cs typeface="Times New Roman" panose="02020603050405020304" pitchFamily="18" charset="0"/>
+              </a:rPr>
+              <a:t>ịch sai thông tin. Điều này quan trọng khi đề cập đến các modem chậm, điện thoại di động, kết nối ồn hay các phương tiện truyền thông khó tính khác.</a:t>
             </a:r>
           </a:p>
         </p:txBody>
@@ -5423,8 +5689,8 @@
         </p:nvSpPr>
         <p:spPr>
           <a:xfrm>
-            <a:off x="2113009" y="1082381"/>
-            <a:ext cx="2427460" cy="477054"/>
+            <a:off x="1933904" y="2115243"/>
+            <a:ext cx="2427460" cy="861774"/>
           </a:xfrm>
           <a:prstGeom prst="rect">
             <a:avLst/>
@@ -5445,14 +5711,14 @@
           <a:lstStyle/>
           <a:p>
             <a:r>
-              <a:rPr lang="vi-VN" sz="2500" b="1">
-                <a:latin typeface="Times New Roman" panose="02020603050405020304" pitchFamily="18" charset="0"/>
+              <a:rPr lang="vi-VN" sz="2500" b="1" dirty="0">
+                <a:latin typeface="Segoe UI Black" panose="020B0A02040204020203" pitchFamily="34" charset="0"/>
                 <a:cs typeface="Times New Roman" panose="02020603050405020304" pitchFamily="18" charset="0"/>
               </a:rPr>
               <a:t>Modbus ASCII: </a:t>
             </a:r>
-            <a:endParaRPr lang="en-US" sz="2500" b="1">
-              <a:latin typeface="Times New Roman" panose="02020603050405020304" pitchFamily="18" charset="0"/>
+            <a:endParaRPr lang="en-US" sz="2500" b="1" dirty="0">
+              <a:latin typeface="Segoe UI Black" panose="020B0A02040204020203" pitchFamily="34" charset="0"/>
               <a:cs typeface="Times New Roman" panose="02020603050405020304" pitchFamily="18" charset="0"/>
             </a:endParaRPr>
           </a:p>
@@ -5474,7 +5740,7 @@
         </p:blipFill>
         <p:spPr>
           <a:xfrm>
-            <a:off x="3051776" y="1817468"/>
+            <a:off x="4751179" y="1877853"/>
             <a:ext cx="7286625" cy="1457325"/>
           </a:xfrm>
           <a:prstGeom prst="rect">
@@ -5492,13 +5758,6 @@
   <p:clrMapOvr>
     <a:masterClrMapping/>
   </p:clrMapOvr>
-  <p:timing>
-    <p:tnLst>
-      <p:par>
-        <p:cTn id="1" dur="indefinite" restart="never" nodeType="tmRoot"/>
-      </p:par>
-    </p:tnLst>
-  </p:timing>
 </p:sld>
 </file>
 
@@ -5527,8 +5786,8 @@
         </p:nvSpPr>
         <p:spPr>
           <a:xfrm>
-            <a:off x="2772318" y="130429"/>
-            <a:ext cx="8040413" cy="861774"/>
+            <a:off x="2017987" y="713149"/>
+            <a:ext cx="8040413" cy="553998"/>
           </a:xfrm>
           <a:prstGeom prst="rect">
             <a:avLst/>
@@ -5542,20 +5801,80 @@
           <a:lstStyle/>
           <a:p>
             <a:r>
-              <a:rPr lang="en-US" sz="5000" b="1" smtClean="0">
+              <a:rPr lang="en-US" sz="3000" b="1" dirty="0" err="1">
                 <a:solidFill>
                   <a:srgbClr val="FF0000"/>
                 </a:solidFill>
-                <a:latin typeface="Times New Roman" panose="02020603050405020304" pitchFamily="18" charset="0"/>
-                <a:cs typeface="Times New Roman" panose="02020603050405020304" pitchFamily="18" charset="0"/>
-              </a:rPr>
-              <a:t>Chuẩn ModBus Thông Dụng</a:t>
-            </a:r>
-            <a:endParaRPr lang="en-US" sz="5000" b="1">
+                <a:latin typeface="Segoe UI Black" panose="020B0A02040204020203" pitchFamily="34" charset="0"/>
+                <a:cs typeface="Times New Roman" panose="02020603050405020304" pitchFamily="18" charset="0"/>
+              </a:rPr>
+              <a:t>Chuẩn</a:t>
+            </a:r>
+            <a:r>
+              <a:rPr lang="en-US" sz="3000" b="1" dirty="0">
+                <a:solidFill>
+                  <a:srgbClr val="FF0000"/>
+                </a:solidFill>
+                <a:latin typeface="Segoe UI Black" panose="020B0A02040204020203" pitchFamily="34" charset="0"/>
+                <a:cs typeface="Times New Roman" panose="02020603050405020304" pitchFamily="18" charset="0"/>
+              </a:rPr>
+              <a:t> </a:t>
+            </a:r>
+            <a:r>
+              <a:rPr lang="en-US" sz="3000" b="1" dirty="0" err="1">
+                <a:solidFill>
+                  <a:srgbClr val="FF0000"/>
+                </a:solidFill>
+                <a:latin typeface="Segoe UI Black" panose="020B0A02040204020203" pitchFamily="34" charset="0"/>
+                <a:cs typeface="Times New Roman" panose="02020603050405020304" pitchFamily="18" charset="0"/>
+              </a:rPr>
+              <a:t>ModBus</a:t>
+            </a:r>
+            <a:r>
+              <a:rPr lang="en-US" sz="3000" b="1" dirty="0">
+                <a:solidFill>
+                  <a:srgbClr val="FF0000"/>
+                </a:solidFill>
+                <a:latin typeface="Segoe UI Black" panose="020B0A02040204020203" pitchFamily="34" charset="0"/>
+                <a:cs typeface="Times New Roman" panose="02020603050405020304" pitchFamily="18" charset="0"/>
+              </a:rPr>
+              <a:t> </a:t>
+            </a:r>
+            <a:r>
+              <a:rPr lang="en-US" sz="3000" b="1" dirty="0" err="1">
+                <a:solidFill>
+                  <a:srgbClr val="FF0000"/>
+                </a:solidFill>
+                <a:latin typeface="Segoe UI Black" panose="020B0A02040204020203" pitchFamily="34" charset="0"/>
+                <a:cs typeface="Times New Roman" panose="02020603050405020304" pitchFamily="18" charset="0"/>
+              </a:rPr>
+              <a:t>Thông</a:t>
+            </a:r>
+            <a:r>
+              <a:rPr lang="en-US" sz="3000" b="1" dirty="0">
+                <a:solidFill>
+                  <a:srgbClr val="FF0000"/>
+                </a:solidFill>
+                <a:latin typeface="Segoe UI Black" panose="020B0A02040204020203" pitchFamily="34" charset="0"/>
+                <a:cs typeface="Times New Roman" panose="02020603050405020304" pitchFamily="18" charset="0"/>
+              </a:rPr>
+              <a:t> </a:t>
+            </a:r>
+            <a:r>
+              <a:rPr lang="en-US" sz="3000" b="1" dirty="0" err="1">
+                <a:solidFill>
+                  <a:srgbClr val="FF0000"/>
+                </a:solidFill>
+                <a:latin typeface="Segoe UI Black" panose="020B0A02040204020203" pitchFamily="34" charset="0"/>
+                <a:cs typeface="Times New Roman" panose="02020603050405020304" pitchFamily="18" charset="0"/>
+              </a:rPr>
+              <a:t>Dụng</a:t>
+            </a:r>
+            <a:endParaRPr lang="en-US" sz="3000" b="1" dirty="0">
               <a:solidFill>
                 <a:srgbClr val="FF0000"/>
               </a:solidFill>
-              <a:latin typeface="Times New Roman" panose="02020603050405020304" pitchFamily="18" charset="0"/>
+              <a:latin typeface="Segoe UI Black" panose="020B0A02040204020203" pitchFamily="34" charset="0"/>
               <a:cs typeface="Times New Roman" panose="02020603050405020304" pitchFamily="18" charset="0"/>
             </a:endParaRPr>
           </a:p>
@@ -5570,7 +5889,7 @@
         <p:spPr>
           <a:xfrm>
             <a:off x="2017987" y="4456058"/>
-            <a:ext cx="10037378" cy="1883657"/>
+            <a:ext cx="10037378" cy="2343334"/>
           </a:xfrm>
           <a:prstGeom prst="rect">
             <a:avLst/>
@@ -5589,18 +5908,11 @@
               </a:lnSpc>
             </a:pPr>
             <a:r>
-              <a:rPr lang="vi-VN" sz="2000" smtClean="0">
-                <a:latin typeface="Times New Roman" panose="02020603050405020304" pitchFamily="18" charset="0"/>
-                <a:cs typeface="Times New Roman" panose="02020603050405020304" pitchFamily="18" charset="0"/>
-              </a:rPr>
-              <a:t>MODBUS/TCP </a:t>
-            </a:r>
-            <a:r>
-              <a:rPr lang="vi-VN" sz="2000">
-                <a:latin typeface="Times New Roman" panose="02020603050405020304" pitchFamily="18" charset="0"/>
-                <a:cs typeface="Times New Roman" panose="02020603050405020304" pitchFamily="18" charset="0"/>
-              </a:rPr>
-              <a:t>đơn giản là MODBUS qua Ethernet. Thay vì sử dụng thiết bị này cho việc kết nối với các thiết bị tớ, do đó các địa chỉ IP được sử dụng. Với MODBUS/TCP, dữ liệu MODBUS được tóm lược đơn giản trong một gói TCP/IP. Do đó, bất cứ mạng Ethernet hỗ trợ MODBUS/ IP sẽ ngay lập tức hỗ trợ MODBUS/TCP.</a:t>
+              <a:rPr lang="vi-VN" sz="2000" dirty="0">
+                <a:latin typeface="Segoe UI Black" panose="020B0A02040204020203" pitchFamily="34" charset="0"/>
+                <a:cs typeface="Times New Roman" panose="02020603050405020304" pitchFamily="18" charset="0"/>
+              </a:rPr>
+              <a:t>MODBUS/TCP đơn giản là MODBUS qua Ethernet. Thay vì sử dụng thiết bị này cho việc kết nối với các thiết bị tớ, do đó các địa chỉ IP được sử dụng. Với MODBUS/TCP, dữ liệu MODBUS được tóm lược đơn giản trong một gói TCP/IP. Do đó, bất cứ mạng Ethernet hỗ trợ MODBUS/ IP sẽ ngay lập tức hỗ trợ MODBUS/TCP.</a:t>
             </a:r>
           </a:p>
         </p:txBody>
@@ -5613,8 +5925,8 @@
         </p:nvSpPr>
         <p:spPr>
           <a:xfrm>
-            <a:off x="2113009" y="1082381"/>
-            <a:ext cx="2196232" cy="477054"/>
+            <a:off x="2017987" y="2042859"/>
+            <a:ext cx="2196232" cy="861774"/>
           </a:xfrm>
           <a:prstGeom prst="rect">
             <a:avLst/>
@@ -5635,14 +5947,14 @@
           <a:lstStyle/>
           <a:p>
             <a:r>
-              <a:rPr lang="vi-VN" sz="2500" b="1">
-                <a:latin typeface="Times New Roman" panose="02020603050405020304" pitchFamily="18" charset="0"/>
+              <a:rPr lang="vi-VN" sz="2500" b="1" dirty="0">
+                <a:latin typeface="Segoe UI Black" panose="020B0A02040204020203" pitchFamily="34" charset="0"/>
                 <a:cs typeface="Times New Roman" panose="02020603050405020304" pitchFamily="18" charset="0"/>
               </a:rPr>
               <a:t>Modbus TCP:</a:t>
             </a:r>
-            <a:endParaRPr lang="en-US" sz="2500" b="1">
-              <a:latin typeface="Times New Roman" panose="02020603050405020304" pitchFamily="18" charset="0"/>
+            <a:endParaRPr lang="en-US" sz="2500" b="1" dirty="0">
+              <a:latin typeface="Segoe UI Black" panose="020B0A02040204020203" pitchFamily="34" charset="0"/>
               <a:cs typeface="Times New Roman" panose="02020603050405020304" pitchFamily="18" charset="0"/>
             </a:endParaRPr>
           </a:p>
@@ -5664,8 +5976,8 @@
         </p:blipFill>
         <p:spPr>
           <a:xfrm>
-            <a:off x="3211125" y="1870330"/>
-            <a:ext cx="7162800" cy="2495550"/>
+            <a:off x="4951562" y="1891896"/>
+            <a:ext cx="6095223" cy="2495550"/>
           </a:xfrm>
           <a:prstGeom prst="rect">
             <a:avLst/>
@@ -5682,13 +5994,6 @@
   <p:clrMapOvr>
     <a:masterClrMapping/>
   </p:clrMapOvr>
-  <p:timing>
-    <p:tnLst>
-      <p:par>
-        <p:cTn id="1" dur="indefinite" restart="never" nodeType="tmRoot"/>
-      </p:par>
-    </p:tnLst>
-  </p:timing>
 </p:sld>
 </file>
 
@@ -5718,7 +6023,7 @@
         <p:spPr>
           <a:xfrm>
             <a:off x="2772318" y="130429"/>
-            <a:ext cx="8040413" cy="861774"/>
+            <a:ext cx="8040413" cy="553998"/>
           </a:xfrm>
           <a:prstGeom prst="rect">
             <a:avLst/>
@@ -5732,20 +6037,80 @@
           <a:lstStyle/>
           <a:p>
             <a:r>
-              <a:rPr lang="en-US" sz="5000" b="1" smtClean="0">
+              <a:rPr lang="en-US" sz="3000" b="1" dirty="0" err="1">
                 <a:solidFill>
                   <a:srgbClr val="FF0000"/>
                 </a:solidFill>
-                <a:latin typeface="Times New Roman" panose="02020603050405020304" pitchFamily="18" charset="0"/>
-                <a:cs typeface="Times New Roman" panose="02020603050405020304" pitchFamily="18" charset="0"/>
-              </a:rPr>
-              <a:t>Chuẩn ModBus Thông Dụng</a:t>
-            </a:r>
-            <a:endParaRPr lang="en-US" sz="5000" b="1">
+                <a:latin typeface="Segoe UI Black" panose="020B0A02040204020203" pitchFamily="34" charset="0"/>
+                <a:cs typeface="Times New Roman" panose="02020603050405020304" pitchFamily="18" charset="0"/>
+              </a:rPr>
+              <a:t>Chuẩn</a:t>
+            </a:r>
+            <a:r>
+              <a:rPr lang="en-US" sz="3000" b="1" dirty="0">
+                <a:solidFill>
+                  <a:srgbClr val="FF0000"/>
+                </a:solidFill>
+                <a:latin typeface="Segoe UI Black" panose="020B0A02040204020203" pitchFamily="34" charset="0"/>
+                <a:cs typeface="Times New Roman" panose="02020603050405020304" pitchFamily="18" charset="0"/>
+              </a:rPr>
+              <a:t> </a:t>
+            </a:r>
+            <a:r>
+              <a:rPr lang="en-US" sz="3000" b="1" dirty="0" err="1">
+                <a:solidFill>
+                  <a:srgbClr val="FF0000"/>
+                </a:solidFill>
+                <a:latin typeface="Segoe UI Black" panose="020B0A02040204020203" pitchFamily="34" charset="0"/>
+                <a:cs typeface="Times New Roman" panose="02020603050405020304" pitchFamily="18" charset="0"/>
+              </a:rPr>
+              <a:t>ModBus</a:t>
+            </a:r>
+            <a:r>
+              <a:rPr lang="en-US" sz="3000" b="1" dirty="0">
+                <a:solidFill>
+                  <a:srgbClr val="FF0000"/>
+                </a:solidFill>
+                <a:latin typeface="Segoe UI Black" panose="020B0A02040204020203" pitchFamily="34" charset="0"/>
+                <a:cs typeface="Times New Roman" panose="02020603050405020304" pitchFamily="18" charset="0"/>
+              </a:rPr>
+              <a:t> </a:t>
+            </a:r>
+            <a:r>
+              <a:rPr lang="en-US" sz="3000" b="1" dirty="0" err="1">
+                <a:solidFill>
+                  <a:srgbClr val="FF0000"/>
+                </a:solidFill>
+                <a:latin typeface="Segoe UI Black" panose="020B0A02040204020203" pitchFamily="34" charset="0"/>
+                <a:cs typeface="Times New Roman" panose="02020603050405020304" pitchFamily="18" charset="0"/>
+              </a:rPr>
+              <a:t>Thông</a:t>
+            </a:r>
+            <a:r>
+              <a:rPr lang="en-US" sz="3000" b="1" dirty="0">
+                <a:solidFill>
+                  <a:srgbClr val="FF0000"/>
+                </a:solidFill>
+                <a:latin typeface="Segoe UI Black" panose="020B0A02040204020203" pitchFamily="34" charset="0"/>
+                <a:cs typeface="Times New Roman" panose="02020603050405020304" pitchFamily="18" charset="0"/>
+              </a:rPr>
+              <a:t> </a:t>
+            </a:r>
+            <a:r>
+              <a:rPr lang="en-US" sz="3000" b="1" dirty="0" err="1">
+                <a:solidFill>
+                  <a:srgbClr val="FF0000"/>
+                </a:solidFill>
+                <a:latin typeface="Segoe UI Black" panose="020B0A02040204020203" pitchFamily="34" charset="0"/>
+                <a:cs typeface="Times New Roman" panose="02020603050405020304" pitchFamily="18" charset="0"/>
+              </a:rPr>
+              <a:t>Dụng</a:t>
+            </a:r>
+            <a:endParaRPr lang="en-US" sz="3000" b="1" dirty="0">
               <a:solidFill>
                 <a:srgbClr val="FF0000"/>
               </a:solidFill>
-              <a:latin typeface="Times New Roman" panose="02020603050405020304" pitchFamily="18" charset="0"/>
+              <a:latin typeface="Segoe UI Black" panose="020B0A02040204020203" pitchFamily="34" charset="0"/>
               <a:cs typeface="Times New Roman" panose="02020603050405020304" pitchFamily="18" charset="0"/>
             </a:endParaRPr>
           </a:p>
@@ -5759,7 +6124,7 @@
         </p:nvSpPr>
         <p:spPr>
           <a:xfrm>
-            <a:off x="1944413" y="1874497"/>
+            <a:off x="2207900" y="2975213"/>
             <a:ext cx="10037378" cy="2054409"/>
           </a:xfrm>
           <a:prstGeom prst="rect">
@@ -5779,11 +6144,60 @@
               </a:lnSpc>
             </a:pPr>
             <a:r>
-              <a:rPr lang="en-US" sz="2500" b="1" smtClean="0">
-                <a:latin typeface="Times New Roman" panose="02020603050405020304" pitchFamily="18" charset="0"/>
-                <a:cs typeface="Times New Roman" panose="02020603050405020304" pitchFamily="18" charset="0"/>
-              </a:rPr>
-              <a:t>Mã hóa dữ liệu:</a:t>
+              <a:rPr lang="en-US" sz="2500" b="1" dirty="0" err="1">
+                <a:latin typeface="Segoe UI Black" panose="020B0A02040204020203" pitchFamily="34" charset="0"/>
+                <a:cs typeface="Times New Roman" panose="02020603050405020304" pitchFamily="18" charset="0"/>
+              </a:rPr>
+              <a:t>Mã</a:t>
+            </a:r>
+            <a:r>
+              <a:rPr lang="en-US" sz="2500" b="1" dirty="0">
+                <a:latin typeface="Segoe UI Black" panose="020B0A02040204020203" pitchFamily="34" charset="0"/>
+                <a:cs typeface="Times New Roman" panose="02020603050405020304" pitchFamily="18" charset="0"/>
+              </a:rPr>
+              <a:t> </a:t>
+            </a:r>
+            <a:r>
+              <a:rPr lang="en-US" sz="2500" b="1" dirty="0" err="1">
+                <a:latin typeface="Segoe UI Black" panose="020B0A02040204020203" pitchFamily="34" charset="0"/>
+                <a:cs typeface="Times New Roman" panose="02020603050405020304" pitchFamily="18" charset="0"/>
+              </a:rPr>
+              <a:t>hóa</a:t>
+            </a:r>
+            <a:r>
+              <a:rPr lang="en-US" sz="2500" b="1" dirty="0">
+                <a:latin typeface="Segoe UI Black" panose="020B0A02040204020203" pitchFamily="34" charset="0"/>
+                <a:cs typeface="Times New Roman" panose="02020603050405020304" pitchFamily="18" charset="0"/>
+              </a:rPr>
+              <a:t> </a:t>
+            </a:r>
+            <a:r>
+              <a:rPr lang="en-US" sz="2500" b="1" dirty="0" err="1">
+                <a:latin typeface="Segoe UI Black" panose="020B0A02040204020203" pitchFamily="34" charset="0"/>
+                <a:cs typeface="Times New Roman" panose="02020603050405020304" pitchFamily="18" charset="0"/>
+              </a:rPr>
+              <a:t>dữ</a:t>
+            </a:r>
+            <a:r>
+              <a:rPr lang="en-US" sz="2500" b="1" dirty="0">
+                <a:latin typeface="Segoe UI Black" panose="020B0A02040204020203" pitchFamily="34" charset="0"/>
+                <a:cs typeface="Times New Roman" panose="02020603050405020304" pitchFamily="18" charset="0"/>
+              </a:rPr>
+              <a:t> </a:t>
+            </a:r>
+            <a:r>
+              <a:rPr lang="en-US" sz="2500" b="1" dirty="0" err="1">
+                <a:latin typeface="Segoe UI Black" panose="020B0A02040204020203" pitchFamily="34" charset="0"/>
+                <a:cs typeface="Times New Roman" panose="02020603050405020304" pitchFamily="18" charset="0"/>
+              </a:rPr>
+              <a:t>liệu</a:t>
+            </a:r>
+            <a:r>
+              <a:rPr lang="en-US" sz="2500" b="1" dirty="0">
+                <a:latin typeface="Segoe UI Black" panose="020B0A02040204020203" pitchFamily="34" charset="0"/>
+                <a:cs typeface="Times New Roman" panose="02020603050405020304" pitchFamily="18" charset="0"/>
+              </a:rPr>
+              <a:t>:</a:t>
             </a:r>
           </a:p>
           <a:p>
@@ -5793,121 +6207,68 @@
               </a:lnSpc>
             </a:pPr>
             <a:r>
-              <a:rPr lang="vi-VN" sz="2000" smtClean="0">
-                <a:latin typeface="Times New Roman" panose="02020603050405020304" pitchFamily="18" charset="0"/>
-                <a:cs typeface="Times New Roman" panose="02020603050405020304" pitchFamily="18" charset="0"/>
-              </a:rPr>
-              <a:t>MODBUS </a:t>
-            </a:r>
-            <a:r>
-              <a:rPr lang="vi-VN" sz="2000">
-                <a:latin typeface="Times New Roman" panose="02020603050405020304" pitchFamily="18" charset="0"/>
-                <a:cs typeface="Times New Roman" panose="02020603050405020304" pitchFamily="18" charset="0"/>
-              </a:rPr>
-              <a:t>sử </a:t>
-            </a:r>
-            <a:r>
-              <a:rPr lang="vi-VN" sz="2000">
-                <a:latin typeface="Times New Roman" panose="02020603050405020304" pitchFamily="18" charset="0"/>
-                <a:cs typeface="Times New Roman" panose="02020603050405020304" pitchFamily="18" charset="0"/>
-              </a:rPr>
-              <a:t>dụng </a:t>
-            </a:r>
-            <a:r>
-              <a:rPr lang="en-US" sz="2000" smtClean="0">
-                <a:latin typeface="Times New Roman" panose="02020603050405020304" pitchFamily="18" charset="0"/>
+              <a:rPr lang="vi-VN" sz="2000" dirty="0">
+                <a:latin typeface="Segoe UI Black" panose="020B0A02040204020203" pitchFamily="34" charset="0"/>
+                <a:cs typeface="Times New Roman" panose="02020603050405020304" pitchFamily="18" charset="0"/>
+              </a:rPr>
+              <a:t>MODBUS sử dụng </a:t>
+            </a:r>
+            <a:r>
+              <a:rPr lang="en-US" sz="2000" dirty="0">
+                <a:latin typeface="Segoe UI Black" panose="020B0A02040204020203" pitchFamily="34" charset="0"/>
                 <a:cs typeface="Times New Roman" panose="02020603050405020304" pitchFamily="18" charset="0"/>
               </a:rPr>
               <a:t>“</a:t>
             </a:r>
             <a:r>
-              <a:rPr lang="vi-VN" sz="2000" smtClean="0">
-                <a:latin typeface="Times New Roman" panose="02020603050405020304" pitchFamily="18" charset="0"/>
+              <a:rPr lang="vi-VN" sz="2000" dirty="0">
+                <a:latin typeface="Segoe UI Black" panose="020B0A02040204020203" pitchFamily="34" charset="0"/>
                 <a:cs typeface="Times New Roman" panose="02020603050405020304" pitchFamily="18" charset="0"/>
               </a:rPr>
               <a:t>big-endian</a:t>
             </a:r>
             <a:r>
-              <a:rPr lang="en-US" sz="2000" smtClean="0">
-                <a:latin typeface="Times New Roman" panose="02020603050405020304" pitchFamily="18" charset="0"/>
-                <a:cs typeface="Times New Roman" panose="02020603050405020304" pitchFamily="18" charset="0"/>
-              </a:rPr>
-              <a:t>” làm </a:t>
-            </a:r>
-            <a:r>
-              <a:rPr lang="vi-VN" sz="2000">
-                <a:latin typeface="Times New Roman" panose="02020603050405020304" pitchFamily="18" charset="0"/>
-                <a:cs typeface="Times New Roman" panose="02020603050405020304" pitchFamily="18" charset="0"/>
-              </a:rPr>
-              <a:t>đại diện</a:t>
-            </a:r>
-            <a:r>
-              <a:rPr lang="vi-VN" sz="2000" smtClean="0">
-                <a:latin typeface="Times New Roman" panose="02020603050405020304" pitchFamily="18" charset="0"/>
+              <a:rPr lang="en-US" sz="2000" dirty="0">
+                <a:latin typeface="Segoe UI Black" panose="020B0A02040204020203" pitchFamily="34" charset="0"/>
+                <a:cs typeface="Times New Roman" panose="02020603050405020304" pitchFamily="18" charset="0"/>
+              </a:rPr>
+              <a:t>” </a:t>
+            </a:r>
+            <a:r>
+              <a:rPr lang="en-US" sz="2000" dirty="0" err="1">
+                <a:latin typeface="Segoe UI Black" panose="020B0A02040204020203" pitchFamily="34" charset="0"/>
+                <a:cs typeface="Times New Roman" panose="02020603050405020304" pitchFamily="18" charset="0"/>
+              </a:rPr>
+              <a:t>làm</a:t>
+            </a:r>
+            <a:r>
+              <a:rPr lang="en-US" sz="2000" dirty="0">
+                <a:latin typeface="Segoe UI Black" panose="020B0A02040204020203" pitchFamily="34" charset="0"/>
                 <a:cs typeface="Times New Roman" panose="02020603050405020304" pitchFamily="18" charset="0"/>
               </a:rPr>
               <a:t> </a:t>
             </a:r>
             <a:r>
-              <a:rPr lang="vi-VN" sz="2000">
-                <a:latin typeface="Times New Roman" panose="02020603050405020304" pitchFamily="18" charset="0"/>
-                <a:cs typeface="Times New Roman" panose="02020603050405020304" pitchFamily="18" charset="0"/>
-              </a:rPr>
-              <a:t>cho các địa chỉ </a:t>
-            </a:r>
-            <a:r>
-              <a:rPr lang="vi-VN" sz="2000">
-                <a:latin typeface="Times New Roman" panose="02020603050405020304" pitchFamily="18" charset="0"/>
-                <a:cs typeface="Times New Roman" panose="02020603050405020304" pitchFamily="18" charset="0"/>
-              </a:rPr>
-              <a:t>và </a:t>
-            </a:r>
-            <a:r>
-              <a:rPr lang="vi-VN" sz="2000" smtClean="0">
-                <a:latin typeface="Times New Roman" panose="02020603050405020304" pitchFamily="18" charset="0"/>
-                <a:cs typeface="Times New Roman" panose="02020603050405020304" pitchFamily="18" charset="0"/>
-              </a:rPr>
-              <a:t>dữ </a:t>
-            </a:r>
-            <a:r>
-              <a:rPr lang="vi-VN" sz="2000">
-                <a:latin typeface="Times New Roman" panose="02020603050405020304" pitchFamily="18" charset="0"/>
-                <a:cs typeface="Times New Roman" panose="02020603050405020304" pitchFamily="18" charset="0"/>
-              </a:rPr>
-              <a:t>liệu. Điều này có nghĩa là khi một số lượng lớn hơn một byte đơn được truyền đi, byte quan </a:t>
-            </a:r>
-            <a:r>
-              <a:rPr lang="vi-VN" sz="2000">
-                <a:latin typeface="Times New Roman" panose="02020603050405020304" pitchFamily="18" charset="0"/>
-                <a:cs typeface="Times New Roman" panose="02020603050405020304" pitchFamily="18" charset="0"/>
-              </a:rPr>
-              <a:t>trọng </a:t>
-            </a:r>
-            <a:r>
-              <a:rPr lang="en-US" sz="2000" smtClean="0">
-                <a:latin typeface="Times New Roman" panose="02020603050405020304" pitchFamily="18" charset="0"/>
+              <a:rPr lang="vi-VN" sz="2000" dirty="0">
+                <a:latin typeface="Segoe UI Black" panose="020B0A02040204020203" pitchFamily="34" charset="0"/>
+                <a:cs typeface="Times New Roman" panose="02020603050405020304" pitchFamily="18" charset="0"/>
+              </a:rPr>
+              <a:t>đại diện cho các địa chỉ và dữ liệu. Điều này có nghĩa là khi một số lượng lớn hơn một byte đơn được truyền đi, byte quan trọng </a:t>
+            </a:r>
+            <a:r>
+              <a:rPr lang="en-US" sz="2000" dirty="0" err="1">
+                <a:latin typeface="Segoe UI Black" panose="020B0A02040204020203" pitchFamily="34" charset="0"/>
                 <a:cs typeface="Times New Roman" panose="02020603050405020304" pitchFamily="18" charset="0"/>
               </a:rPr>
               <a:t>nhất</a:t>
             </a:r>
             <a:r>
-              <a:rPr lang="vi-VN" sz="2000" smtClean="0">
-                <a:latin typeface="Times New Roman" panose="02020603050405020304" pitchFamily="18" charset="0"/>
-                <a:cs typeface="Times New Roman" panose="02020603050405020304" pitchFamily="18" charset="0"/>
-              </a:rPr>
-              <a:t> </a:t>
-            </a:r>
-            <a:r>
-              <a:rPr lang="vi-VN" sz="2000">
-                <a:latin typeface="Times New Roman" panose="02020603050405020304" pitchFamily="18" charset="0"/>
-                <a:cs typeface="Times New Roman" panose="02020603050405020304" pitchFamily="18" charset="0"/>
-              </a:rPr>
-              <a:t>sẽ được gửi trước. Ví dụ:</a:t>
-            </a:r>
-            <a:endParaRPr lang="vi-VN" sz="2000">
-              <a:latin typeface="Times New Roman" panose="02020603050405020304" pitchFamily="18" charset="0"/>
-              <a:cs typeface="Times New Roman" panose="02020603050405020304" pitchFamily="18" charset="0"/>
-            </a:endParaRPr>
+              <a:rPr lang="vi-VN" sz="2000" dirty="0">
+                <a:latin typeface="Segoe UI Black" panose="020B0A02040204020203" pitchFamily="34" charset="0"/>
+                <a:cs typeface="Times New Roman" panose="02020603050405020304" pitchFamily="18" charset="0"/>
+              </a:rPr>
+              <a:t> sẽ được gửi trước. Ví dụ:</a:t>
+            </a:r>
           </a:p>
         </p:txBody>
       </p:sp>
@@ -5919,8 +6280,8 @@
         </p:nvSpPr>
         <p:spPr>
           <a:xfrm>
-            <a:off x="2113009" y="1082381"/>
-            <a:ext cx="2196232" cy="477054"/>
+            <a:off x="2207900" y="2108024"/>
+            <a:ext cx="2196232" cy="861774"/>
           </a:xfrm>
           <a:prstGeom prst="rect">
             <a:avLst/>
@@ -5941,14 +6302,14 @@
           <a:lstStyle/>
           <a:p>
             <a:r>
-              <a:rPr lang="vi-VN" sz="2500" b="1">
-                <a:latin typeface="Times New Roman" panose="02020603050405020304" pitchFamily="18" charset="0"/>
+              <a:rPr lang="vi-VN" sz="2500" b="1" dirty="0">
+                <a:latin typeface="Segoe UI Black" panose="020B0A02040204020203" pitchFamily="34" charset="0"/>
                 <a:cs typeface="Times New Roman" panose="02020603050405020304" pitchFamily="18" charset="0"/>
               </a:rPr>
               <a:t>Modbus TCP:</a:t>
             </a:r>
-            <a:endParaRPr lang="en-US" sz="2500" b="1">
-              <a:latin typeface="Times New Roman" panose="02020603050405020304" pitchFamily="18" charset="0"/>
+            <a:endParaRPr lang="en-US" sz="2500" b="1" dirty="0">
+              <a:latin typeface="Segoe UI Black" panose="020B0A02040204020203" pitchFamily="34" charset="0"/>
               <a:cs typeface="Times New Roman" panose="02020603050405020304" pitchFamily="18" charset="0"/>
             </a:endParaRPr>
           </a:p>
@@ -5970,7 +6331,7 @@
         </p:blipFill>
         <p:spPr>
           <a:xfrm>
-            <a:off x="2113009" y="3928906"/>
+            <a:off x="2207900" y="5422325"/>
             <a:ext cx="9868782" cy="1305246"/>
           </a:xfrm>
           <a:prstGeom prst="rect">
@@ -5988,13 +6349,6 @@
   <p:clrMapOvr>
     <a:masterClrMapping/>
   </p:clrMapOvr>
-  <p:timing>
-    <p:tnLst>
-      <p:par>
-        <p:cTn id="1" dur="indefinite" restart="never" nodeType="tmRoot"/>
-      </p:par>
-    </p:tnLst>
-  </p:timing>
 </p:sld>
 </file>
 
@@ -6024,7 +6378,7 @@
         <p:spPr>
           <a:xfrm>
             <a:off x="4461641" y="105103"/>
-            <a:ext cx="5150069" cy="861774"/>
+            <a:ext cx="5150069" cy="1631216"/>
           </a:xfrm>
           <a:prstGeom prst="rect">
             <a:avLst/>
@@ -6038,22 +6392,25 @@
           <a:lstStyle/>
           <a:p>
             <a:r>
-              <a:rPr lang="en-US" sz="5000" b="1" smtClean="0">
+              <a:rPr lang="en-US" sz="5000" b="1" dirty="0" err="1">
                 <a:solidFill>
                   <a:srgbClr val="FF0000"/>
                 </a:solidFill>
-                <a:latin typeface="Times New Roman" panose="02020603050405020304" pitchFamily="18" charset="0"/>
-                <a:cs typeface="Times New Roman" panose="02020603050405020304" pitchFamily="18" charset="0"/>
-              </a:rPr>
-              <a:t>ModBus Gateway</a:t>
-            </a:r>
-            <a:endParaRPr lang="en-US" sz="5000" b="1">
-              <a:solidFill>
-                <a:srgbClr val="FF0000"/>
-              </a:solidFill>
-              <a:latin typeface="Times New Roman" panose="02020603050405020304" pitchFamily="18" charset="0"/>
-              <a:cs typeface="Times New Roman" panose="02020603050405020304" pitchFamily="18" charset="0"/>
-            </a:endParaRPr>
+                <a:latin typeface="Segoe UI Black" panose="020B0A02040204020203" pitchFamily="34" charset="0"/>
+                <a:cs typeface="Times New Roman" panose="02020603050405020304" pitchFamily="18" charset="0"/>
+              </a:rPr>
+              <a:t>ModBus</a:t>
+            </a:r>
+            <a:r>
+              <a:rPr lang="en-US" sz="5000" b="1" dirty="0">
+                <a:solidFill>
+                  <a:srgbClr val="FF0000"/>
+                </a:solidFill>
+                <a:latin typeface="Segoe UI Black" panose="020B0A02040204020203" pitchFamily="34" charset="0"/>
+                <a:cs typeface="Times New Roman" panose="02020603050405020304" pitchFamily="18" charset="0"/>
+              </a:rPr>
+              <a:t> Gateway</a:t>
+            </a:r>
           </a:p>
         </p:txBody>
       </p:sp>
@@ -6066,7 +6423,7 @@
         <p:spPr>
           <a:xfrm>
             <a:off x="1797270" y="966877"/>
-            <a:ext cx="10037378" cy="3323987"/>
+            <a:ext cx="10037378" cy="4191981"/>
           </a:xfrm>
           <a:prstGeom prst="rect">
             <a:avLst/>
@@ -6089,114 +6446,47 @@
               <a:buChar char="•"/>
             </a:pPr>
             <a:r>
-              <a:rPr lang="vi-VN" sz="2000">
-                <a:latin typeface="Times New Roman" panose="02020603050405020304" pitchFamily="18" charset="0"/>
-                <a:cs typeface="Times New Roman" panose="02020603050405020304" pitchFamily="18" charset="0"/>
-              </a:rPr>
-              <a:t>Modbus gateway là một thiết bị cho phép chuyển đổi qua lại giữa giao </a:t>
-            </a:r>
-            <a:r>
-              <a:rPr lang="vi-VN" sz="2000" smtClean="0">
-                <a:latin typeface="Times New Roman" panose="02020603050405020304" pitchFamily="18" charset="0"/>
-                <a:cs typeface="Times New Roman" panose="02020603050405020304" pitchFamily="18" charset="0"/>
-              </a:rPr>
-              <a:t>thức </a:t>
-            </a:r>
-            <a:r>
-              <a:rPr lang="vi-VN" sz="2000" b="1">
-                <a:latin typeface="Times New Roman" panose="02020603050405020304" pitchFamily="18" charset="0"/>
+              <a:rPr lang="vi-VN" sz="2000" dirty="0">
+                <a:latin typeface="Segoe UI Black" panose="020B0A02040204020203" pitchFamily="34" charset="0"/>
+                <a:cs typeface="Times New Roman" panose="02020603050405020304" pitchFamily="18" charset="0"/>
+              </a:rPr>
+              <a:t>Modbus gateway là một thiết bị cho phép chuyển đổi qua lại giữa giao thức </a:t>
+            </a:r>
+            <a:r>
+              <a:rPr lang="vi-VN" sz="2000" b="1" dirty="0">
+                <a:latin typeface="Segoe UI Black" panose="020B0A02040204020203" pitchFamily="34" charset="0"/>
                 <a:cs typeface="Times New Roman" panose="02020603050405020304" pitchFamily="18" charset="0"/>
               </a:rPr>
               <a:t>Modbus RTU </a:t>
             </a:r>
             <a:r>
-              <a:rPr lang="en-US" sz="2000" smtClean="0">
-                <a:latin typeface="Times New Roman" panose="02020603050405020304" pitchFamily="18" charset="0"/>
-                <a:cs typeface="Times New Roman" panose="02020603050405020304" pitchFamily="18" charset="0"/>
-              </a:rPr>
-              <a:t>và </a:t>
-            </a:r>
-            <a:r>
-              <a:rPr lang="vi-VN" sz="2000" b="1">
-                <a:latin typeface="Times New Roman" panose="02020603050405020304" pitchFamily="18" charset="0"/>
-                <a:cs typeface="Times New Roman" panose="02020603050405020304" pitchFamily="18" charset="0"/>
-              </a:rPr>
-              <a:t>Modbus </a:t>
-            </a:r>
-            <a:r>
-              <a:rPr lang="vi-VN" sz="2000" b="1" smtClean="0">
-                <a:latin typeface="Times New Roman" panose="02020603050405020304" pitchFamily="18" charset="0"/>
-                <a:cs typeface="Times New Roman" panose="02020603050405020304" pitchFamily="18" charset="0"/>
-              </a:rPr>
-              <a:t>TCP</a:t>
-            </a:r>
-            <a:r>
-              <a:rPr lang="vi-VN" sz="2000" smtClean="0">
-                <a:latin typeface="Times New Roman" panose="02020603050405020304" pitchFamily="18" charset="0"/>
-                <a:cs typeface="Times New Roman" panose="02020603050405020304" pitchFamily="18" charset="0"/>
-              </a:rPr>
-              <a:t>. </a:t>
-            </a:r>
-            <a:r>
-              <a:rPr lang="vi-VN" sz="2000">
-                <a:latin typeface="Times New Roman" panose="02020603050405020304" pitchFamily="18" charset="0"/>
-                <a:cs typeface="Times New Roman" panose="02020603050405020304" pitchFamily="18" charset="0"/>
-              </a:rPr>
-              <a:t>Thông thường thiết bị sẽ có </a:t>
-            </a:r>
-            <a:r>
-              <a:rPr lang="vi-VN" sz="2000" smtClean="0">
-                <a:latin typeface="Times New Roman" panose="02020603050405020304" pitchFamily="18" charset="0"/>
-                <a:cs typeface="Times New Roman" panose="02020603050405020304" pitchFamily="18" charset="0"/>
-              </a:rPr>
-              <a:t>1 </a:t>
-            </a:r>
-            <a:r>
-              <a:rPr lang="vi-VN" sz="2000">
-                <a:latin typeface="Times New Roman" panose="02020603050405020304" pitchFamily="18" charset="0"/>
-                <a:cs typeface="Times New Roman" panose="02020603050405020304" pitchFamily="18" charset="0"/>
-              </a:rPr>
-              <a:t>cổng serial </a:t>
-            </a:r>
-            <a:r>
-              <a:rPr lang="vi-VN" sz="2000" smtClean="0">
-                <a:latin typeface="Times New Roman" panose="02020603050405020304" pitchFamily="18" charset="0"/>
-                <a:cs typeface="Times New Roman" panose="02020603050405020304" pitchFamily="18" charset="0"/>
-              </a:rPr>
-              <a:t>(RS232/RS485</a:t>
-            </a:r>
-            <a:r>
-              <a:rPr lang="vi-VN" sz="2000">
-                <a:latin typeface="Times New Roman" panose="02020603050405020304" pitchFamily="18" charset="0"/>
-                <a:cs typeface="Times New Roman" panose="02020603050405020304" pitchFamily="18" charset="0"/>
-              </a:rPr>
-              <a:t>) và </a:t>
-            </a:r>
-            <a:r>
-              <a:rPr lang="vi-VN" sz="2000" smtClean="0">
-                <a:latin typeface="Times New Roman" panose="02020603050405020304" pitchFamily="18" charset="0"/>
-                <a:cs typeface="Times New Roman" panose="02020603050405020304" pitchFamily="18" charset="0"/>
-              </a:rPr>
-              <a:t>1 </a:t>
-            </a:r>
-            <a:r>
-              <a:rPr lang="vi-VN" sz="2000">
-                <a:latin typeface="Times New Roman" panose="02020603050405020304" pitchFamily="18" charset="0"/>
-                <a:cs typeface="Times New Roman" panose="02020603050405020304" pitchFamily="18" charset="0"/>
-              </a:rPr>
-              <a:t>cổng Ethernet</a:t>
-            </a:r>
-            <a:r>
-              <a:rPr lang="vi-VN" sz="2000" smtClean="0">
-                <a:latin typeface="Times New Roman" panose="02020603050405020304" pitchFamily="18" charset="0"/>
-                <a:cs typeface="Times New Roman" panose="02020603050405020304" pitchFamily="18" charset="0"/>
-              </a:rPr>
-              <a:t>.</a:t>
-            </a:r>
-            <a:endParaRPr lang="vi-VN" sz="2000">
-              <a:latin typeface="Times New Roman" panose="02020603050405020304" pitchFamily="18" charset="0"/>
-              <a:cs typeface="Times New Roman" panose="02020603050405020304" pitchFamily="18" charset="0"/>
-            </a:endParaRPr>
+              <a:rPr lang="en-US" sz="2000" dirty="0" err="1">
+                <a:latin typeface="Segoe UI Black" panose="020B0A02040204020203" pitchFamily="34" charset="0"/>
+                <a:cs typeface="Times New Roman" panose="02020603050405020304" pitchFamily="18" charset="0"/>
+              </a:rPr>
+              <a:t>và</a:t>
+            </a:r>
+            <a:r>
+              <a:rPr lang="en-US" sz="2000" dirty="0">
+                <a:latin typeface="Segoe UI Black" panose="020B0A02040204020203" pitchFamily="34" charset="0"/>
+                <a:cs typeface="Times New Roman" panose="02020603050405020304" pitchFamily="18" charset="0"/>
+              </a:rPr>
+              <a:t> </a:t>
+            </a:r>
+            <a:r>
+              <a:rPr lang="vi-VN" sz="2000" b="1" dirty="0">
+                <a:latin typeface="Segoe UI Black" panose="020B0A02040204020203" pitchFamily="34" charset="0"/>
+                <a:cs typeface="Times New Roman" panose="02020603050405020304" pitchFamily="18" charset="0"/>
+              </a:rPr>
+              <a:t>Modbus TCP</a:t>
+            </a:r>
+            <a:r>
+              <a:rPr lang="vi-VN" sz="2000" dirty="0">
+                <a:latin typeface="Segoe UI Black" panose="020B0A02040204020203" pitchFamily="34" charset="0"/>
+                <a:cs typeface="Times New Roman" panose="02020603050405020304" pitchFamily="18" charset="0"/>
+              </a:rPr>
+              <a:t>. Thông thường thiết bị sẽ có 1 cổng serial (RS232/RS485) và 1 cổng Ethernet.</a:t>
+            </a:r>
           </a:p>
           <a:p>
             <a:pPr marL="342900" indent="-342900">
@@ -6207,95 +6497,39 @@
               <a:buChar char="•"/>
             </a:pPr>
             <a:r>
-              <a:rPr lang="vi-VN" sz="2000">
-                <a:latin typeface="Times New Roman" panose="02020603050405020304" pitchFamily="18" charset="0"/>
+              <a:rPr lang="vi-VN" sz="2000" dirty="0">
+                <a:latin typeface="Segoe UI Black" panose="020B0A02040204020203" pitchFamily="34" charset="0"/>
                 <a:cs typeface="Times New Roman" panose="02020603050405020304" pitchFamily="18" charset="0"/>
               </a:rPr>
               <a:t>Tại sao lại là 2 giao thức này? </a:t>
             </a:r>
             <a:r>
-              <a:rPr lang="en-US" sz="2000" smtClean="0">
-                <a:latin typeface="Times New Roman" panose="02020603050405020304" pitchFamily="18" charset="0"/>
+              <a:rPr lang="en-US" sz="2000" dirty="0">
+                <a:latin typeface="Segoe UI Black" panose="020B0A02040204020203" pitchFamily="34" charset="0"/>
                 <a:cs typeface="Times New Roman" panose="02020603050405020304" pitchFamily="18" charset="0"/>
               </a:rPr>
               <a:t>V</a:t>
             </a:r>
             <a:r>
-              <a:rPr lang="vi-VN" sz="2000" smtClean="0">
-                <a:latin typeface="Times New Roman" panose="02020603050405020304" pitchFamily="18" charset="0"/>
-                <a:cs typeface="Times New Roman" panose="02020603050405020304" pitchFamily="18" charset="0"/>
-              </a:rPr>
-              <a:t>ì </a:t>
-            </a:r>
-            <a:r>
-              <a:rPr lang="vi-VN" sz="2000">
-                <a:latin typeface="Times New Roman" panose="02020603050405020304" pitchFamily="18" charset="0"/>
-                <a:cs typeface="Times New Roman" panose="02020603050405020304" pitchFamily="18" charset="0"/>
-              </a:rPr>
-              <a:t>hai giao thức này phổ biến, đại diện cho 02 loại cổng vật lý là serial (RS232/RS485) và ethernet (cổng RJ45). </a:t>
-            </a:r>
-            <a:r>
-              <a:rPr lang="en-US" sz="2000">
-                <a:latin typeface="Times New Roman" panose="02020603050405020304" pitchFamily="18" charset="0"/>
+              <a:rPr lang="vi-VN" sz="2000" dirty="0">
+                <a:latin typeface="Segoe UI Black" panose="020B0A02040204020203" pitchFamily="34" charset="0"/>
+                <a:cs typeface="Times New Roman" panose="02020603050405020304" pitchFamily="18" charset="0"/>
+              </a:rPr>
+              <a:t>ì hai giao thức này phổ biến, đại diện cho 02 loại cổng vật lý là serial (RS232/RS485) và ethernet (cổng RJ45). </a:t>
+            </a:r>
+            <a:r>
+              <a:rPr lang="en-US" sz="2000" dirty="0">
+                <a:latin typeface="Segoe UI Black" panose="020B0A02040204020203" pitchFamily="34" charset="0"/>
                 <a:cs typeface="Times New Roman" panose="02020603050405020304" pitchFamily="18" charset="0"/>
               </a:rPr>
               <a:t>N</a:t>
             </a:r>
             <a:r>
-              <a:rPr lang="vi-VN" sz="2000" smtClean="0">
-                <a:latin typeface="Times New Roman" panose="02020603050405020304" pitchFamily="18" charset="0"/>
-                <a:cs typeface="Times New Roman" panose="02020603050405020304" pitchFamily="18" charset="0"/>
-              </a:rPr>
-              <a:t>hiều </a:t>
-            </a:r>
-            <a:r>
-              <a:rPr lang="vi-VN" sz="2000">
-                <a:latin typeface="Times New Roman" panose="02020603050405020304" pitchFamily="18" charset="0"/>
-                <a:cs typeface="Times New Roman" panose="02020603050405020304" pitchFamily="18" charset="0"/>
-              </a:rPr>
-              <a:t>thiết bị công nghiệp hiện </a:t>
-            </a:r>
-            <a:r>
-              <a:rPr lang="vi-VN" sz="2000" smtClean="0">
-                <a:latin typeface="Times New Roman" panose="02020603050405020304" pitchFamily="18" charset="0"/>
-                <a:cs typeface="Times New Roman" panose="02020603050405020304" pitchFamily="18" charset="0"/>
-              </a:rPr>
-              <a:t>nay chỉ </a:t>
-            </a:r>
-            <a:r>
-              <a:rPr lang="vi-VN" sz="2000">
-                <a:latin typeface="Times New Roman" panose="02020603050405020304" pitchFamily="18" charset="0"/>
-                <a:cs typeface="Times New Roman" panose="02020603050405020304" pitchFamily="18" charset="0"/>
-              </a:rPr>
-              <a:t>hỗ trợ Modbus RTU, hoặc chỉ hỗ trợ Modbus TCP, hoặc hỗ trợ cả 2. Do đó, để kết nối các thiết bị </a:t>
-            </a:r>
-            <a:r>
-              <a:rPr lang="vi-VN" sz="2000" smtClean="0">
-                <a:latin typeface="Times New Roman" panose="02020603050405020304" pitchFamily="18" charset="0"/>
-                <a:cs typeface="Times New Roman" panose="02020603050405020304" pitchFamily="18" charset="0"/>
-              </a:rPr>
-              <a:t>này </a:t>
-            </a:r>
-            <a:r>
-              <a:rPr lang="vi-VN" sz="2000">
-                <a:latin typeface="Times New Roman" panose="02020603050405020304" pitchFamily="18" charset="0"/>
-                <a:cs typeface="Times New Roman" panose="02020603050405020304" pitchFamily="18" charset="0"/>
-              </a:rPr>
-              <a:t>vào hệ thống modbus chung của nhà máy, xí nghiệp thì sẽ cần </a:t>
-            </a:r>
-            <a:r>
-              <a:rPr lang="vi-VN" sz="2000" smtClean="0">
-                <a:latin typeface="Times New Roman" panose="02020603050405020304" pitchFamily="18" charset="0"/>
-                <a:cs typeface="Times New Roman" panose="02020603050405020304" pitchFamily="18" charset="0"/>
-              </a:rPr>
-              <a:t>1 </a:t>
-            </a:r>
-            <a:r>
-              <a:rPr lang="vi-VN" sz="2000">
-                <a:latin typeface="Times New Roman" panose="02020603050405020304" pitchFamily="18" charset="0"/>
-                <a:cs typeface="Times New Roman" panose="02020603050405020304" pitchFamily="18" charset="0"/>
-              </a:rPr>
-              <a:t>thiết bị phiên dịch được gọi là Modbus Gateway. </a:t>
+              <a:rPr lang="vi-VN" sz="2000" dirty="0">
+                <a:latin typeface="Segoe UI Black" panose="020B0A02040204020203" pitchFamily="34" charset="0"/>
+                <a:cs typeface="Times New Roman" panose="02020603050405020304" pitchFamily="18" charset="0"/>
+              </a:rPr>
+              <a:t>hiều thiết bị công nghiệp hiện nay chỉ hỗ trợ Modbus RTU, hoặc chỉ hỗ trợ Modbus TCP, hoặc hỗ trợ cả 2. Do đó, để kết nối các thiết bị này vào hệ thống modbus chung của nhà máy, xí nghiệp thì sẽ cần 1 thiết bị phiên dịch được gọi là Modbus Gateway. </a:t>
             </a:r>
           </a:p>
         </p:txBody>
@@ -6316,7 +6550,7 @@
         </p:blipFill>
         <p:spPr>
           <a:xfrm>
-            <a:off x="2722181" y="4371975"/>
+            <a:off x="2730807" y="5001703"/>
             <a:ext cx="2905125" cy="2486025"/>
           </a:xfrm>
           <a:prstGeom prst="rect">
@@ -6340,7 +6574,7 @@
         </p:blipFill>
         <p:spPr>
           <a:xfrm>
-            <a:off x="7834477" y="4371975"/>
+            <a:off x="7944835" y="4915732"/>
             <a:ext cx="3333750" cy="2209800"/>
           </a:xfrm>
           <a:prstGeom prst="rect">
@@ -6358,13 +6592,6 @@
   <p:clrMapOvr>
     <a:masterClrMapping/>
   </p:clrMapOvr>
-  <p:timing>
-    <p:tnLst>
-      <p:par>
-        <p:cTn id="1" dur="indefinite" restart="never" nodeType="tmRoot"/>
-      </p:par>
-    </p:tnLst>
-  </p:timing>
 </p:sld>
 </file>
 
@@ -6394,7 +6621,7 @@
         <p:spPr>
           <a:xfrm>
             <a:off x="2769477" y="777765"/>
-            <a:ext cx="8261130" cy="861774"/>
+            <a:ext cx="8261130" cy="553998"/>
           </a:xfrm>
           <a:prstGeom prst="rect">
             <a:avLst/>
@@ -6408,42 +6635,15 @@
           <a:lstStyle/>
           <a:p>
             <a:r>
-              <a:rPr lang="en-US" sz="5000" b="1" smtClean="0">
+              <a:rPr lang="en-US" sz="3000" b="1" dirty="0">
                 <a:solidFill>
                   <a:srgbClr val="FF0000"/>
                 </a:solidFill>
-                <a:latin typeface="Times New Roman" panose="02020603050405020304" pitchFamily="18" charset="0"/>
-                <a:cs typeface="Times New Roman" panose="02020603050405020304" pitchFamily="18" charset="0"/>
-              </a:rPr>
-              <a:t>Analog </a:t>
-            </a:r>
-            <a:r>
-              <a:rPr lang="en-US" sz="5000" b="1">
-                <a:solidFill>
-                  <a:srgbClr val="FF0000"/>
-                </a:solidFill>
-                <a:latin typeface="Times New Roman" panose="02020603050405020304" pitchFamily="18" charset="0"/>
-                <a:cs typeface="Times New Roman" panose="02020603050405020304" pitchFamily="18" charset="0"/>
-              </a:rPr>
-              <a:t>to </a:t>
-            </a:r>
-            <a:r>
-              <a:rPr lang="en-US" sz="5000" b="1" smtClean="0">
-                <a:solidFill>
-                  <a:srgbClr val="FF0000"/>
-                </a:solidFill>
-                <a:latin typeface="Times New Roman" panose="02020603050405020304" pitchFamily="18" charset="0"/>
-                <a:cs typeface="Times New Roman" panose="02020603050405020304" pitchFamily="18" charset="0"/>
-              </a:rPr>
-              <a:t>Modbus Converter</a:t>
-            </a:r>
-            <a:endParaRPr lang="en-US" sz="5000" b="1">
-              <a:solidFill>
-                <a:srgbClr val="FF0000"/>
-              </a:solidFill>
-              <a:latin typeface="Times New Roman" panose="02020603050405020304" pitchFamily="18" charset="0"/>
-              <a:cs typeface="Times New Roman" panose="02020603050405020304" pitchFamily="18" charset="0"/>
-            </a:endParaRPr>
+                <a:latin typeface="Segoe UI Black" panose="020B0A02040204020203" pitchFamily="34" charset="0"/>
+                <a:cs typeface="Times New Roman" panose="02020603050405020304" pitchFamily="18" charset="0"/>
+              </a:rPr>
+              <a:t>Analog to Modbus Converter</a:t>
+            </a:r>
           </a:p>
         </p:txBody>
       </p:sp>
@@ -6456,7 +6656,7 @@
         <p:spPr>
           <a:xfrm>
             <a:off x="1881353" y="1823470"/>
-            <a:ext cx="10037378" cy="1883657"/>
+            <a:ext cx="10037378" cy="2343334"/>
           </a:xfrm>
           <a:prstGeom prst="rect">
             <a:avLst/>
@@ -6479,8 +6679,8 @@
               <a:buChar char="•"/>
             </a:pPr>
             <a:r>
-              <a:rPr lang="vi-VN" sz="2000">
-                <a:latin typeface="Times New Roman" panose="02020603050405020304" pitchFamily="18" charset="0"/>
+              <a:rPr lang="vi-VN" sz="2000" dirty="0">
+                <a:latin typeface="Segoe UI Black" panose="020B0A02040204020203" pitchFamily="34" charset="0"/>
                 <a:cs typeface="Times New Roman" panose="02020603050405020304" pitchFamily="18" charset="0"/>
               </a:rPr>
               <a:t>Giao thức modbus đã được sử dụng rất nhiều hiện nay. Lý do là vì những ưu điểm của nó như: tốc độ truyền dữ liệu nhanh, khoảng cách truyền đi xa, độ chính xác rất cao, tiết kiệm chi phí….. Để đáp ứng nhu cầu này, các nhà sản xuất đã lần lượt cho ra đời các thiết bị chuyển đổi tín hiệu từ 4-20mA hoặc 0-10V về dạng Modbus RTU.</a:t>
@@ -6522,13 +6722,6 @@
   <p:clrMapOvr>
     <a:masterClrMapping/>
   </p:clrMapOvr>
-  <p:timing>
-    <p:tnLst>
-      <p:par>
-        <p:cTn id="1" dur="indefinite" restart="never" nodeType="tmRoot"/>
-      </p:par>
-    </p:tnLst>
-  </p:timing>
 </p:sld>
 </file>
 
